--- a/문서/UML_PPT/식별된 Actor별 시나리오 작성_코드널(널포유).pptx
+++ b/문서/UML_PPT/식별된 Actor별 시나리오 작성_코드널(널포유).pptx
@@ -28,19 +28,19 @@
   <p:notesSz cx="10287000" cy="18288000"/>
   <p:embeddedFontLst>
     <p:embeddedFont>
-      <p:font typeface="나눔스퀘어" panose="020B0600000101010101" pitchFamily="50" charset="-127"/>
+      <p:font typeface="Bebas Neue" panose="020B0600000101010101" charset="0"/>
       <p:regular r:id="rId18"/>
     </p:embeddedFont>
     <p:embeddedFont>
-      <p:font typeface="Bebas Neue" panose="020B0600000101010101" charset="0"/>
+      <p:font typeface="Calibri" panose="020F0502020204030204" pitchFamily="34" charset="0"/>
       <p:regular r:id="rId19"/>
+      <p:bold r:id="rId20"/>
+      <p:italic r:id="rId21"/>
+      <p:boldItalic r:id="rId22"/>
     </p:embeddedFont>
     <p:embeddedFont>
-      <p:font typeface="Calibri" panose="020F0502020204030204" pitchFamily="34" charset="0"/>
-      <p:regular r:id="rId20"/>
-      <p:bold r:id="rId21"/>
-      <p:italic r:id="rId22"/>
-      <p:boldItalic r:id="rId23"/>
+      <p:font typeface="나눔스퀘어" panose="020B0600000101010101" pitchFamily="50" charset="-127"/>
+      <p:regular r:id="rId23"/>
     </p:embeddedFont>
   </p:embeddedFontLst>
   <p:defaultTextStyle>
@@ -2206,6 +2206,57 @@
           </a:bodyPr>
           <a:lstStyle/>
           <a:p>
+            <a:pPr marL="0" marR="0" lvl="0" indent="0" algn="l" defTabSz="914400" rtl="0" eaLnBrk="1" fontAlgn="auto" latinLnBrk="0" hangingPunct="1">
+              <a:lnSpc>
+                <a:spcPct val="100000"/>
+              </a:lnSpc>
+              <a:spcBef>
+                <a:spcPts val="0"/>
+              </a:spcBef>
+              <a:spcAft>
+                <a:spcPts val="0"/>
+              </a:spcAft>
+              <a:buClr>
+                <a:srgbClr val="000000"/>
+              </a:buClr>
+              <a:buSzPts val="1100"/>
+              <a:buFont typeface="Arial"/>
+              <a:buNone/>
+              <a:tabLst/>
+              <a:defRPr/>
+            </a:pPr>
+            <a:r>
+              <a:rPr lang="ko-KR" altLang="en-US" sz="1100" dirty="0" err="1">
+                <a:solidFill>
+                  <a:schemeClr val="dk1"/>
+                </a:solidFill>
+                <a:latin typeface="나눔스퀘어" panose="020B0600000101010101" pitchFamily="50" charset="-127"/>
+                <a:ea typeface="나눔스퀘어" panose="020B0600000101010101" pitchFamily="50" charset="-127"/>
+              </a:rPr>
+              <a:t>널포유</a:t>
+            </a:r>
+            <a:r>
+              <a:rPr lang="ko-KR" altLang="en-US" sz="1100" dirty="0">
+                <a:solidFill>
+                  <a:schemeClr val="dk1"/>
+                </a:solidFill>
+                <a:latin typeface="나눔스퀘어" panose="020B0600000101010101" pitchFamily="50" charset="-127"/>
+                <a:ea typeface="나눔스퀘어" panose="020B0600000101010101" pitchFamily="50" charset="-127"/>
+              </a:rPr>
+              <a:t> 프로그램을 실행시킨다</a:t>
+            </a:r>
+            <a:r>
+              <a:rPr lang="en-US" altLang="ko-KR" sz="1100" dirty="0">
+                <a:solidFill>
+                  <a:schemeClr val="dk1"/>
+                </a:solidFill>
+                <a:latin typeface="나눔스퀘어" panose="020B0600000101010101" pitchFamily="50" charset="-127"/>
+                <a:ea typeface="나눔스퀘어" panose="020B0600000101010101" pitchFamily="50" charset="-127"/>
+              </a:rPr>
+              <a:t>.</a:t>
+            </a:r>
+          </a:p>
+          <a:p>
             <a:pPr marL="0" lvl="0" indent="0" algn="l" rtl="0">
               <a:spcBef>
                 <a:spcPts val="0"/>
@@ -2310,7 +2361,7 @@
           </a:bodyPr>
           <a:lstStyle/>
           <a:p>
-            <a:pPr marL="0" lvl="0" indent="0" algn="l" rtl="0">
+            <a:pPr marL="457200" lvl="0" indent="0" algn="l" rtl="0">
               <a:spcBef>
                 <a:spcPts val="0"/>
               </a:spcBef>
@@ -2319,7 +2370,17 @@
               </a:spcAft>
               <a:buNone/>
             </a:pPr>
-            <a:endParaRPr/>
+            <a:r>
+              <a:rPr lang="en-US" altLang="ko-KR" sz="1100" dirty="0">
+                <a:solidFill>
+                  <a:schemeClr val="dk1"/>
+                </a:solidFill>
+                <a:latin typeface="나눔스퀘어" panose="020B0600000101010101" pitchFamily="50" charset="-127"/>
+                <a:ea typeface="나눔스퀘어" panose="020B0600000101010101" pitchFamily="50" charset="-127"/>
+              </a:rPr>
+              <a:t>               </a:t>
+            </a:r>
+            <a:endParaRPr dirty="0"/>
           </a:p>
         </p:txBody>
       </p:sp>
@@ -19539,8 +19600,8 @@
         </p:nvSpPr>
         <p:spPr>
           <a:xfrm>
-            <a:off x="10347605" y="5873739"/>
-            <a:ext cx="6577500" cy="3447067"/>
+            <a:off x="10332852" y="5595444"/>
+            <a:ext cx="6577500" cy="3585567"/>
           </a:xfrm>
           <a:prstGeom prst="rect">
             <a:avLst/>
@@ -19816,7 +19877,17 @@
                 <a:latin typeface="나눔스퀘어" panose="020B0600000101010101" pitchFamily="50" charset="-127"/>
                 <a:ea typeface="나눔스퀘어" panose="020B0600000101010101" pitchFamily="50" charset="-127"/>
               </a:rPr>
-              <a:t>      - </a:t>
+              <a:t>      </a:t>
+            </a:r>
+            <a:r>
+              <a:rPr lang="en-US" altLang="ko-KR" sz="2000" dirty="0">
+                <a:solidFill>
+                  <a:schemeClr val="dk1"/>
+                </a:solidFill>
+                <a:latin typeface="나눔스퀘어" panose="020B0600000101010101" pitchFamily="50" charset="-127"/>
+                <a:ea typeface="나눔스퀘어" panose="020B0600000101010101" pitchFamily="50" charset="-127"/>
+              </a:rPr>
+              <a:t>- </a:t>
             </a:r>
             <a:r>
               <a:rPr lang="en-US" sz="2000" dirty="0" err="1">
@@ -19898,7 +19969,21 @@
               </a:rPr>
               <a:t>.</a:t>
             </a:r>
-            <a:endParaRPr sz="2000" dirty="0">
+          </a:p>
+          <a:p>
+            <a:pPr marL="88900" lvl="0" algn="l" rtl="0">
+              <a:spcBef>
+                <a:spcPts val="0"/>
+              </a:spcBef>
+              <a:spcAft>
+                <a:spcPts val="0"/>
+              </a:spcAft>
+              <a:buClr>
+                <a:schemeClr val="dk1"/>
+              </a:buClr>
+              <a:buSzPts val="2200"/>
+            </a:pPr>
+            <a:endParaRPr sz="300" dirty="0">
               <a:solidFill>
                 <a:schemeClr val="dk1"/>
               </a:solidFill>
@@ -20300,7 +20385,21 @@
               </a:rPr>
               <a:t>. </a:t>
             </a:r>
-            <a:endParaRPr sz="2000" dirty="0">
+          </a:p>
+          <a:p>
+            <a:pPr marL="88900" lvl="0" algn="l" rtl="0">
+              <a:spcBef>
+                <a:spcPts val="0"/>
+              </a:spcBef>
+              <a:spcAft>
+                <a:spcPts val="0"/>
+              </a:spcAft>
+              <a:buClr>
+                <a:schemeClr val="dk1"/>
+              </a:buClr>
+              <a:buSzPts val="2200"/>
+            </a:pPr>
+            <a:endParaRPr sz="300" dirty="0">
               <a:solidFill>
                 <a:schemeClr val="dk1"/>
               </a:solidFill>
@@ -20529,7 +20628,21 @@
               </a:rPr>
               <a:t>.</a:t>
             </a:r>
-            <a:endParaRPr sz="2000" dirty="0">
+          </a:p>
+          <a:p>
+            <a:pPr marL="88900" lvl="0" algn="l" rtl="0">
+              <a:spcBef>
+                <a:spcPts val="0"/>
+              </a:spcBef>
+              <a:spcAft>
+                <a:spcPts val="0"/>
+              </a:spcAft>
+              <a:buClr>
+                <a:schemeClr val="dk1"/>
+              </a:buClr>
+              <a:buSzPts val="2200"/>
+            </a:pPr>
+            <a:endParaRPr sz="300" dirty="0">
               <a:solidFill>
                 <a:schemeClr val="dk1"/>
               </a:solidFill>
@@ -34751,7 +34864,7 @@
         <p:spPr>
           <a:xfrm>
             <a:off x="1932444" y="3807430"/>
-            <a:ext cx="8459700" cy="4478119"/>
+            <a:ext cx="8459700" cy="4816673"/>
           </a:xfrm>
           <a:prstGeom prst="rect">
             <a:avLst/>
@@ -34849,6 +34962,69 @@
               <a:buAutoNum type="arabicParenR"/>
             </a:pPr>
             <a:r>
+              <a:rPr lang="ko-KR" altLang="en-US" sz="2200" dirty="0" err="1">
+                <a:solidFill>
+                  <a:schemeClr val="dk1"/>
+                </a:solidFill>
+                <a:latin typeface="나눔스퀘어" panose="020B0600000101010101" pitchFamily="50" charset="-127"/>
+                <a:ea typeface="나눔스퀘어" panose="020B0600000101010101" pitchFamily="50" charset="-127"/>
+              </a:rPr>
+              <a:t>널포유</a:t>
+            </a:r>
+            <a:r>
+              <a:rPr lang="ko-KR" altLang="en-US" sz="2200" dirty="0">
+                <a:solidFill>
+                  <a:schemeClr val="dk1"/>
+                </a:solidFill>
+                <a:latin typeface="나눔스퀘어" panose="020B0600000101010101" pitchFamily="50" charset="-127"/>
+                <a:ea typeface="나눔스퀘어" panose="020B0600000101010101" pitchFamily="50" charset="-127"/>
+              </a:rPr>
+              <a:t> 프로그램을 실행시킨다</a:t>
+            </a:r>
+            <a:r>
+              <a:rPr lang="en-US" altLang="ko-KR" sz="2200" dirty="0">
+                <a:solidFill>
+                  <a:schemeClr val="dk1"/>
+                </a:solidFill>
+                <a:latin typeface="나눔스퀘어" panose="020B0600000101010101" pitchFamily="50" charset="-127"/>
+                <a:ea typeface="나눔스퀘어" panose="020B0600000101010101" pitchFamily="50" charset="-127"/>
+              </a:rPr>
+              <a:t>.</a:t>
+            </a:r>
+          </a:p>
+          <a:p>
+            <a:pPr marL="457200" lvl="0" indent="-368300" algn="l" rtl="0">
+              <a:spcBef>
+                <a:spcPts val="0"/>
+              </a:spcBef>
+              <a:spcAft>
+                <a:spcPts val="0"/>
+              </a:spcAft>
+              <a:buSzPts val="2200"/>
+              <a:buFont typeface="Calibri"/>
+              <a:buAutoNum type="arabicParenR"/>
+            </a:pPr>
+            <a:endParaRPr lang="en-US" sz="300" dirty="0">
+              <a:solidFill>
+                <a:schemeClr val="dk1"/>
+              </a:solidFill>
+              <a:latin typeface="나눔스퀘어" panose="020B0600000101010101" pitchFamily="50" charset="-127"/>
+              <a:ea typeface="나눔스퀘어" panose="020B0600000101010101" pitchFamily="50" charset="-127"/>
+            </a:endParaRPr>
+          </a:p>
+          <a:p>
+            <a:pPr marL="457200" lvl="0" indent="-368300" algn="l" rtl="0">
+              <a:spcBef>
+                <a:spcPts val="0"/>
+              </a:spcBef>
+              <a:spcAft>
+                <a:spcPts val="0"/>
+              </a:spcAft>
+              <a:buSzPts val="2200"/>
+              <a:buFont typeface="Calibri"/>
+              <a:buAutoNum type="arabicParenR"/>
+            </a:pPr>
+            <a:r>
               <a:rPr lang="en-US" sz="2200" dirty="0" err="1">
                 <a:solidFill>
                   <a:schemeClr val="dk1"/>
@@ -36171,8 +36347,8 @@
         </p:nvSpPr>
         <p:spPr>
           <a:xfrm>
-            <a:off x="9469171" y="6408907"/>
-            <a:ext cx="5324750" cy="1738907"/>
+            <a:off x="9972400" y="5592534"/>
+            <a:ext cx="6091958" cy="3031569"/>
           </a:xfrm>
           <a:prstGeom prst="rect">
             <a:avLst/>
@@ -36670,7 +36846,83 @@
               </a:rPr>
               <a:t>.</a:t>
             </a:r>
-            <a:endParaRPr sz="2000" dirty="0">
+          </a:p>
+          <a:p>
+            <a:pPr marL="88900" lvl="0" algn="l" rtl="0">
+              <a:spcBef>
+                <a:spcPts val="0"/>
+              </a:spcBef>
+              <a:spcAft>
+                <a:spcPts val="0"/>
+              </a:spcAft>
+              <a:buClr>
+                <a:schemeClr val="dk1"/>
+              </a:buClr>
+              <a:buSzPts val="2200"/>
+            </a:pPr>
+            <a:r>
+              <a:rPr lang="en-US" sz="2000" dirty="0">
+                <a:solidFill>
+                  <a:schemeClr val="dk1"/>
+                </a:solidFill>
+                <a:latin typeface="나눔스퀘어" panose="020B0600000101010101" pitchFamily="50" charset="-127"/>
+                <a:ea typeface="나눔스퀘어" panose="020B0600000101010101" pitchFamily="50" charset="-127"/>
+                <a:cs typeface="Calibri"/>
+                <a:sym typeface="Calibri"/>
+              </a:rPr>
+              <a:t>Ep2. </a:t>
+            </a:r>
+            <a:r>
+              <a:rPr lang="en-US" altLang="ko-KR" sz="2000" dirty="0">
+                <a:solidFill>
+                  <a:schemeClr val="dk1"/>
+                </a:solidFill>
+                <a:latin typeface="나눔스퀘어" panose="020B0600000101010101" pitchFamily="50" charset="-127"/>
+                <a:ea typeface="나눔스퀘어" panose="020B0600000101010101" pitchFamily="50" charset="-127"/>
+                <a:cs typeface="Calibri"/>
+                <a:sym typeface="Calibri"/>
+              </a:rPr>
+              <a:t>ID, </a:t>
+            </a:r>
+            <a:r>
+              <a:rPr lang="ko-KR" altLang="en-US" sz="2000" dirty="0">
+                <a:solidFill>
+                  <a:schemeClr val="dk1"/>
+                </a:solidFill>
+                <a:latin typeface="나눔스퀘어" panose="020B0600000101010101" pitchFamily="50" charset="-127"/>
+                <a:ea typeface="나눔스퀘어" panose="020B0600000101010101" pitchFamily="50" charset="-127"/>
+                <a:cs typeface="Calibri"/>
+                <a:sym typeface="Calibri"/>
+              </a:rPr>
+              <a:t>비밀번호 정보가 일치 하지 않는 경우</a:t>
+            </a:r>
+            <a:r>
+              <a:rPr lang="en-US" altLang="ko-KR" sz="2000" dirty="0">
+                <a:solidFill>
+                  <a:schemeClr val="dk1"/>
+                </a:solidFill>
+                <a:latin typeface="나눔스퀘어" panose="020B0600000101010101" pitchFamily="50" charset="-127"/>
+                <a:ea typeface="나눔스퀘어" panose="020B0600000101010101" pitchFamily="50" charset="-127"/>
+                <a:cs typeface="Calibri"/>
+                <a:sym typeface="Calibri"/>
+              </a:rPr>
+              <a:t>. </a:t>
+            </a:r>
+          </a:p>
+          <a:p>
+            <a:pPr marL="88900" lvl="0" algn="l" rtl="0">
+              <a:spcBef>
+                <a:spcPts val="0"/>
+              </a:spcBef>
+              <a:spcAft>
+                <a:spcPts val="0"/>
+              </a:spcAft>
+              <a:buClr>
+                <a:schemeClr val="dk1"/>
+              </a:buClr>
+              <a:buSzPts val="2200"/>
+            </a:pPr>
+            <a:endParaRPr lang="en-US" altLang="ko-KR" sz="300" dirty="0">
               <a:solidFill>
                 <a:schemeClr val="dk1"/>
               </a:solidFill>
@@ -36679,6 +36931,203 @@
               <a:cs typeface="Calibri"/>
               <a:sym typeface="Calibri"/>
             </a:endParaRPr>
+          </a:p>
+          <a:p>
+            <a:pPr marL="88900" lvl="0" algn="l" rtl="0">
+              <a:spcBef>
+                <a:spcPts val="0"/>
+              </a:spcBef>
+              <a:spcAft>
+                <a:spcPts val="0"/>
+              </a:spcAft>
+              <a:buClr>
+                <a:schemeClr val="dk1"/>
+              </a:buClr>
+              <a:buSzPts val="2200"/>
+            </a:pPr>
+            <a:r>
+              <a:rPr lang="en-US" altLang="ko-KR" sz="2000" dirty="0">
+                <a:solidFill>
+                  <a:schemeClr val="dk1"/>
+                </a:solidFill>
+                <a:latin typeface="나눔스퀘어" panose="020B0600000101010101" pitchFamily="50" charset="-127"/>
+                <a:ea typeface="나눔스퀘어" panose="020B0600000101010101" pitchFamily="50" charset="-127"/>
+                <a:cs typeface="Calibri"/>
+                <a:sym typeface="Calibri"/>
+              </a:rPr>
+              <a:t>     - ID </a:t>
+            </a:r>
+            <a:r>
+              <a:rPr lang="ko-KR" altLang="en-US" sz="2000" dirty="0">
+                <a:solidFill>
+                  <a:schemeClr val="dk1"/>
+                </a:solidFill>
+                <a:latin typeface="나눔스퀘어" panose="020B0600000101010101" pitchFamily="50" charset="-127"/>
+                <a:ea typeface="나눔스퀘어" panose="020B0600000101010101" pitchFamily="50" charset="-127"/>
+                <a:cs typeface="Calibri"/>
+                <a:sym typeface="Calibri"/>
+              </a:rPr>
+              <a:t>혹은 비밀번호가 틀렸다는 메시지를 보낸다</a:t>
+            </a:r>
+            <a:r>
+              <a:rPr lang="en-US" altLang="ko-KR" sz="2000" dirty="0">
+                <a:solidFill>
+                  <a:schemeClr val="dk1"/>
+                </a:solidFill>
+                <a:latin typeface="나눔스퀘어" panose="020B0600000101010101" pitchFamily="50" charset="-127"/>
+                <a:ea typeface="나눔스퀘어" panose="020B0600000101010101" pitchFamily="50" charset="-127"/>
+                <a:cs typeface="Calibri"/>
+                <a:sym typeface="Calibri"/>
+              </a:rPr>
+              <a:t>.</a:t>
+            </a:r>
+          </a:p>
+          <a:p>
+            <a:pPr marL="88900" lvl="0" algn="l" rtl="0">
+              <a:spcBef>
+                <a:spcPts val="0"/>
+              </a:spcBef>
+              <a:spcAft>
+                <a:spcPts val="0"/>
+              </a:spcAft>
+              <a:buClr>
+                <a:schemeClr val="dk1"/>
+              </a:buClr>
+              <a:buSzPts val="2200"/>
+            </a:pPr>
+            <a:endParaRPr lang="en-US" altLang="ko-KR" sz="300" dirty="0">
+              <a:solidFill>
+                <a:schemeClr val="dk1"/>
+              </a:solidFill>
+              <a:latin typeface="나눔스퀘어" panose="020B0600000101010101" pitchFamily="50" charset="-127"/>
+              <a:ea typeface="나눔스퀘어" panose="020B0600000101010101" pitchFamily="50" charset="-127"/>
+              <a:cs typeface="Calibri"/>
+              <a:sym typeface="Calibri"/>
+            </a:endParaRPr>
+          </a:p>
+          <a:p>
+            <a:pPr marL="88900" lvl="0" algn="l" rtl="0">
+              <a:spcBef>
+                <a:spcPts val="0"/>
+              </a:spcBef>
+              <a:spcAft>
+                <a:spcPts val="0"/>
+              </a:spcAft>
+              <a:buClr>
+                <a:schemeClr val="dk1"/>
+              </a:buClr>
+              <a:buSzPts val="2200"/>
+            </a:pPr>
+            <a:r>
+              <a:rPr lang="en-US" altLang="ko-KR" sz="2000" dirty="0">
+                <a:solidFill>
+                  <a:schemeClr val="dk1"/>
+                </a:solidFill>
+                <a:latin typeface="나눔스퀘어" panose="020B0600000101010101" pitchFamily="50" charset="-127"/>
+                <a:ea typeface="나눔스퀘어" panose="020B0600000101010101" pitchFamily="50" charset="-127"/>
+                <a:cs typeface="Calibri"/>
+                <a:sym typeface="Calibri"/>
+              </a:rPr>
+              <a:t>Ep3. </a:t>
+            </a:r>
+            <a:r>
+              <a:rPr lang="ko-KR" altLang="en-US" sz="2000" dirty="0">
+                <a:solidFill>
+                  <a:schemeClr val="dk1"/>
+                </a:solidFill>
+                <a:latin typeface="나눔스퀘어" panose="020B0600000101010101" pitchFamily="50" charset="-127"/>
+                <a:ea typeface="나눔스퀘어" panose="020B0600000101010101" pitchFamily="50" charset="-127"/>
+                <a:cs typeface="Calibri"/>
+                <a:sym typeface="Calibri"/>
+              </a:rPr>
+              <a:t>라이센스 정보가 일치 하지 않는</a:t>
+            </a:r>
+            <a:r>
+              <a:rPr lang="en-US" altLang="ko-KR" sz="2000" dirty="0">
+                <a:solidFill>
+                  <a:schemeClr val="dk1"/>
+                </a:solidFill>
+                <a:latin typeface="나눔스퀘어" panose="020B0600000101010101" pitchFamily="50" charset="-127"/>
+                <a:ea typeface="나눔스퀘어" panose="020B0600000101010101" pitchFamily="50" charset="-127"/>
+                <a:cs typeface="Calibri"/>
+                <a:sym typeface="Calibri"/>
+              </a:rPr>
+              <a:t> </a:t>
+            </a:r>
+            <a:r>
+              <a:rPr lang="ko-KR" altLang="en-US" sz="2000" dirty="0">
+                <a:solidFill>
+                  <a:schemeClr val="dk1"/>
+                </a:solidFill>
+                <a:latin typeface="나눔스퀘어" panose="020B0600000101010101" pitchFamily="50" charset="-127"/>
+                <a:ea typeface="나눔스퀘어" panose="020B0600000101010101" pitchFamily="50" charset="-127"/>
+                <a:cs typeface="Calibri"/>
+                <a:sym typeface="Calibri"/>
+              </a:rPr>
+              <a:t>경우</a:t>
+            </a:r>
+            <a:r>
+              <a:rPr lang="en-US" altLang="ko-KR" sz="2000" dirty="0">
+                <a:solidFill>
+                  <a:schemeClr val="dk1"/>
+                </a:solidFill>
+                <a:latin typeface="나눔스퀘어" panose="020B0600000101010101" pitchFamily="50" charset="-127"/>
+                <a:ea typeface="나눔스퀘어" panose="020B0600000101010101" pitchFamily="50" charset="-127"/>
+                <a:cs typeface="Calibri"/>
+                <a:sym typeface="Calibri"/>
+              </a:rPr>
+              <a:t>.</a:t>
+            </a:r>
+          </a:p>
+          <a:p>
+            <a:pPr marL="88900" lvl="0" algn="l" rtl="0">
+              <a:spcBef>
+                <a:spcPts val="0"/>
+              </a:spcBef>
+              <a:spcAft>
+                <a:spcPts val="0"/>
+              </a:spcAft>
+              <a:buClr>
+                <a:schemeClr val="dk1"/>
+              </a:buClr>
+              <a:buSzPts val="2200"/>
+            </a:pPr>
+            <a:r>
+              <a:rPr lang="en-US" altLang="ko-KR" sz="2000" dirty="0">
+                <a:solidFill>
+                  <a:schemeClr val="dk1"/>
+                </a:solidFill>
+                <a:latin typeface="나눔스퀘어" panose="020B0600000101010101" pitchFamily="50" charset="-127"/>
+                <a:ea typeface="나눔스퀘어" panose="020B0600000101010101" pitchFamily="50" charset="-127"/>
+                <a:cs typeface="Calibri"/>
+                <a:sym typeface="Calibri"/>
+              </a:rPr>
+              <a:t>     - </a:t>
+            </a:r>
+            <a:r>
+              <a:rPr lang="ko-KR" altLang="en-US" sz="2000" dirty="0">
+                <a:solidFill>
+                  <a:schemeClr val="dk1"/>
+                </a:solidFill>
+                <a:latin typeface="나눔스퀘어" panose="020B0600000101010101" pitchFamily="50" charset="-127"/>
+                <a:ea typeface="나눔스퀘어" panose="020B0600000101010101" pitchFamily="50" charset="-127"/>
+                <a:cs typeface="Calibri"/>
+                <a:sym typeface="Calibri"/>
+              </a:rPr>
+              <a:t>등록된 정보가 없다고 메시지를 보낸다</a:t>
+            </a:r>
+            <a:r>
+              <a:rPr lang="en-US" altLang="ko-KR" sz="2000" dirty="0">
+                <a:solidFill>
+                  <a:schemeClr val="dk1"/>
+                </a:solidFill>
+                <a:latin typeface="나눔스퀘어" panose="020B0600000101010101" pitchFamily="50" charset="-127"/>
+                <a:ea typeface="나눔스퀘어" panose="020B0600000101010101" pitchFamily="50" charset="-127"/>
+                <a:cs typeface="Calibri"/>
+                <a:sym typeface="Calibri"/>
+              </a:rPr>
+              <a:t>.</a:t>
+            </a:r>
           </a:p>
         </p:txBody>
       </p:sp>
@@ -37408,14 +37857,14 @@
               <a:t>)                                                                                        1. </a:t>
             </a:r>
             <a:r>
-              <a:rPr lang="en-US" sz="2400" b="1" dirty="0" err="1">
-                <a:solidFill>
-                  <a:schemeClr val="dk1"/>
-                </a:solidFill>
-                <a:latin typeface="나눔스퀘어" panose="020B0600000101010101" pitchFamily="50" charset="-127"/>
-                <a:ea typeface="나눔스퀘어" panose="020B0600000101010101" pitchFamily="50" charset="-127"/>
-              </a:rPr>
-              <a:t>회원가입</a:t>
+              <a:rPr lang="ko-KR" altLang="en-US" sz="2400" b="1" dirty="0">
+                <a:solidFill>
+                  <a:schemeClr val="dk1"/>
+                </a:solidFill>
+                <a:latin typeface="나눔스퀘어" panose="020B0600000101010101" pitchFamily="50" charset="-127"/>
+                <a:ea typeface="나눔스퀘어" panose="020B0600000101010101" pitchFamily="50" charset="-127"/>
+              </a:rPr>
+              <a:t>초기 화면 기능</a:t>
             </a:r>
             <a:endParaRPr sz="2400" b="1" i="0" strike="noStrike" cap="none" dirty="0">
               <a:solidFill>
@@ -37481,7 +37930,7 @@
         <p:spPr>
           <a:xfrm>
             <a:off x="1913705" y="3807430"/>
-            <a:ext cx="6497656" cy="3462456"/>
+            <a:ext cx="6497656" cy="4278064"/>
           </a:xfrm>
           <a:prstGeom prst="rect">
             <a:avLst/>
@@ -37567,80 +38016,44 @@
             </a:endParaRPr>
           </a:p>
           <a:p>
-            <a:pPr marL="457200" lvl="0" indent="-368300" algn="l" rtl="0">
-              <a:spcBef>
-                <a:spcPts val="0"/>
-              </a:spcBef>
-              <a:spcAft>
-                <a:spcPts val="0"/>
-              </a:spcAft>
+            <a:pPr marL="457200" indent="-368300">
               <a:buSzPts val="2200"/>
               <a:buFont typeface="Calibri"/>
               <a:buAutoNum type="arabicParenR"/>
             </a:pPr>
             <a:r>
-              <a:rPr lang="en-US" sz="2200" dirty="0" err="1">
-                <a:latin typeface="나눔스퀘어" panose="020B0600000101010101" pitchFamily="50" charset="-127"/>
-                <a:ea typeface="나눔스퀘어" panose="020B0600000101010101" pitchFamily="50" charset="-127"/>
-                <a:cs typeface="Calibri"/>
-                <a:sym typeface="Calibri"/>
-              </a:rPr>
-              <a:t>회원가입</a:t>
-            </a:r>
-            <a:r>
-              <a:rPr lang="en-US" sz="2200" dirty="0">
-                <a:latin typeface="나눔스퀘어" panose="020B0600000101010101" pitchFamily="50" charset="-127"/>
-                <a:ea typeface="나눔스퀘어" panose="020B0600000101010101" pitchFamily="50" charset="-127"/>
-                <a:cs typeface="Calibri"/>
-                <a:sym typeface="Calibri"/>
-              </a:rPr>
-              <a:t> </a:t>
-            </a:r>
-            <a:r>
-              <a:rPr lang="en-US" sz="2200" dirty="0" err="1">
-                <a:latin typeface="나눔스퀘어" panose="020B0600000101010101" pitchFamily="50" charset="-127"/>
-                <a:ea typeface="나눔스퀘어" panose="020B0600000101010101" pitchFamily="50" charset="-127"/>
-                <a:cs typeface="Calibri"/>
-                <a:sym typeface="Calibri"/>
-              </a:rPr>
-              <a:t>메뉴를</a:t>
-            </a:r>
-            <a:r>
-              <a:rPr lang="en-US" sz="2200" dirty="0">
-                <a:latin typeface="나눔스퀘어" panose="020B0600000101010101" pitchFamily="50" charset="-127"/>
-                <a:ea typeface="나눔스퀘어" panose="020B0600000101010101" pitchFamily="50" charset="-127"/>
-                <a:cs typeface="Calibri"/>
-                <a:sym typeface="Calibri"/>
-              </a:rPr>
-              <a:t> </a:t>
-            </a:r>
-            <a:r>
-              <a:rPr lang="en-US" sz="2200" dirty="0" err="1">
-                <a:latin typeface="나눔스퀘어" panose="020B0600000101010101" pitchFamily="50" charset="-127"/>
-                <a:ea typeface="나눔스퀘어" panose="020B0600000101010101" pitchFamily="50" charset="-127"/>
-                <a:cs typeface="Calibri"/>
-                <a:sym typeface="Calibri"/>
-              </a:rPr>
-              <a:t>선택한다</a:t>
-            </a:r>
-            <a:r>
-              <a:rPr lang="en-US" sz="2200" dirty="0">
-                <a:latin typeface="나눔스퀘어" panose="020B0600000101010101" pitchFamily="50" charset="-127"/>
-                <a:ea typeface="나눔스퀘어" panose="020B0600000101010101" pitchFamily="50" charset="-127"/>
-                <a:cs typeface="Calibri"/>
-                <a:sym typeface="Calibri"/>
+              <a:rPr lang="ko-KR" altLang="en-US" sz="2200" dirty="0" err="1">
+                <a:solidFill>
+                  <a:schemeClr val="dk1"/>
+                </a:solidFill>
+                <a:latin typeface="나눔스퀘어" panose="020B0600000101010101" pitchFamily="50" charset="-127"/>
+                <a:ea typeface="나눔스퀘어" panose="020B0600000101010101" pitchFamily="50" charset="-127"/>
+              </a:rPr>
+              <a:t>널포유</a:t>
+            </a:r>
+            <a:r>
+              <a:rPr lang="ko-KR" altLang="en-US" sz="2200" dirty="0">
+                <a:solidFill>
+                  <a:schemeClr val="dk1"/>
+                </a:solidFill>
+                <a:latin typeface="나눔스퀘어" panose="020B0600000101010101" pitchFamily="50" charset="-127"/>
+                <a:ea typeface="나눔스퀘어" panose="020B0600000101010101" pitchFamily="50" charset="-127"/>
+              </a:rPr>
+              <a:t> 프로그램에 접속한다</a:t>
+            </a:r>
+            <a:r>
+              <a:rPr lang="en-US" altLang="ko-KR" sz="2200" dirty="0">
+                <a:solidFill>
+                  <a:schemeClr val="dk1"/>
+                </a:solidFill>
+                <a:latin typeface="나눔스퀘어" panose="020B0600000101010101" pitchFamily="50" charset="-127"/>
+                <a:ea typeface="나눔스퀘어" panose="020B0600000101010101" pitchFamily="50" charset="-127"/>
               </a:rPr>
               <a:t>.</a:t>
             </a:r>
           </a:p>
           <a:p>
-            <a:pPr marL="457200" lvl="0" indent="-368300" algn="l" rtl="0">
-              <a:spcBef>
-                <a:spcPts val="0"/>
-              </a:spcBef>
-              <a:spcAft>
-                <a:spcPts val="0"/>
-              </a:spcAft>
+            <a:pPr marL="457200" indent="-368300">
               <a:buSzPts val="2200"/>
               <a:buFont typeface="Calibri"/>
               <a:buAutoNum type="arabicParenR"/>
@@ -37664,105 +38077,50 @@
               <a:buFont typeface="Calibri"/>
               <a:buAutoNum type="arabicParenR"/>
             </a:pPr>
-            <a:endParaRPr sz="300" dirty="0">
-              <a:latin typeface="나눔스퀘어" panose="020B0600000101010101" pitchFamily="50" charset="-127"/>
-              <a:ea typeface="나눔스퀘어" panose="020B0600000101010101" pitchFamily="50" charset="-127"/>
-              <a:cs typeface="Calibri"/>
-              <a:sym typeface="Calibri"/>
-            </a:endParaRPr>
-          </a:p>
-          <a:p>
-            <a:pPr marL="457200" lvl="0" indent="-368300" algn="l" rtl="0">
-              <a:spcBef>
-                <a:spcPts val="0"/>
-              </a:spcBef>
-              <a:spcAft>
-                <a:spcPts val="0"/>
-              </a:spcAft>
-              <a:buSzPts val="2200"/>
-              <a:buFont typeface="Calibri"/>
-              <a:buAutoNum type="arabicParenR"/>
-            </a:pPr>
-            <a:r>
-              <a:rPr lang="en-US" sz="2200" dirty="0" err="1">
-                <a:latin typeface="나눔스퀘어" panose="020B0600000101010101" pitchFamily="50" charset="-127"/>
-                <a:ea typeface="나눔스퀘어" panose="020B0600000101010101" pitchFamily="50" charset="-127"/>
-                <a:cs typeface="Calibri"/>
-                <a:sym typeface="Calibri"/>
-              </a:rPr>
-              <a:t>아이디</a:t>
-            </a:r>
-            <a:r>
-              <a:rPr lang="en-US" sz="2200" dirty="0">
-                <a:latin typeface="나눔스퀘어" panose="020B0600000101010101" pitchFamily="50" charset="-127"/>
-                <a:ea typeface="나눔스퀘어" panose="020B0600000101010101" pitchFamily="50" charset="-127"/>
-                <a:cs typeface="Calibri"/>
-                <a:sym typeface="Calibri"/>
-              </a:rPr>
-              <a:t> </a:t>
-            </a:r>
-            <a:r>
-              <a:rPr lang="en-US" sz="2200" dirty="0" err="1">
-                <a:latin typeface="나눔스퀘어" panose="020B0600000101010101" pitchFamily="50" charset="-127"/>
-                <a:ea typeface="나눔스퀘어" panose="020B0600000101010101" pitchFamily="50" charset="-127"/>
-                <a:cs typeface="Calibri"/>
-                <a:sym typeface="Calibri"/>
-              </a:rPr>
-              <a:t>작성</a:t>
-            </a:r>
-            <a:r>
-              <a:rPr lang="en-US" sz="2200" dirty="0">
-                <a:latin typeface="나눔스퀘어" panose="020B0600000101010101" pitchFamily="50" charset="-127"/>
-                <a:ea typeface="나눔스퀘어" panose="020B0600000101010101" pitchFamily="50" charset="-127"/>
-                <a:cs typeface="Calibri"/>
-                <a:sym typeface="Calibri"/>
-              </a:rPr>
-              <a:t>(</a:t>
-            </a:r>
-            <a:r>
-              <a:rPr lang="en-US" sz="2200" dirty="0" err="1">
-                <a:latin typeface="나눔스퀘어" panose="020B0600000101010101" pitchFamily="50" charset="-127"/>
-                <a:ea typeface="나눔스퀘어" panose="020B0600000101010101" pitchFamily="50" charset="-127"/>
-                <a:cs typeface="Calibri"/>
-                <a:sym typeface="Calibri"/>
-              </a:rPr>
-              <a:t>이메일</a:t>
-            </a:r>
-            <a:r>
-              <a:rPr lang="en-US" sz="2200" dirty="0">
-                <a:latin typeface="나눔스퀘어" panose="020B0600000101010101" pitchFamily="50" charset="-127"/>
-                <a:ea typeface="나눔스퀘어" panose="020B0600000101010101" pitchFamily="50" charset="-127"/>
-                <a:cs typeface="Calibri"/>
-                <a:sym typeface="Calibri"/>
-              </a:rPr>
-              <a:t>)과 </a:t>
-            </a:r>
-            <a:r>
-              <a:rPr lang="en-US" sz="2200" dirty="0" err="1">
-                <a:latin typeface="나눔스퀘어" panose="020B0600000101010101" pitchFamily="50" charset="-127"/>
-                <a:ea typeface="나눔스퀘어" panose="020B0600000101010101" pitchFamily="50" charset="-127"/>
-                <a:cs typeface="Calibri"/>
-                <a:sym typeface="Calibri"/>
-              </a:rPr>
-              <a:t>비밀번호를</a:t>
-            </a:r>
-            <a:r>
-              <a:rPr lang="en-US" sz="2200" dirty="0">
-                <a:latin typeface="나눔스퀘어" panose="020B0600000101010101" pitchFamily="50" charset="-127"/>
-                <a:ea typeface="나눔스퀘어" panose="020B0600000101010101" pitchFamily="50" charset="-127"/>
-                <a:cs typeface="Calibri"/>
-                <a:sym typeface="Calibri"/>
-              </a:rPr>
-              <a:t> </a:t>
-            </a:r>
-            <a:r>
-              <a:rPr lang="en-US" sz="2200" dirty="0" err="1">
-                <a:latin typeface="나눔스퀘어" panose="020B0600000101010101" pitchFamily="50" charset="-127"/>
-                <a:ea typeface="나눔스퀘어" panose="020B0600000101010101" pitchFamily="50" charset="-127"/>
-                <a:cs typeface="Calibri"/>
-                <a:sym typeface="Calibri"/>
-              </a:rPr>
-              <a:t>작성한다</a:t>
+            <a:r>
+              <a:rPr lang="en-US" sz="2200" dirty="0" err="1">
+                <a:latin typeface="나눔스퀘어" panose="020B0600000101010101" pitchFamily="50" charset="-127"/>
+                <a:ea typeface="나눔스퀘어" panose="020B0600000101010101" pitchFamily="50" charset="-127"/>
+                <a:cs typeface="Calibri"/>
+                <a:sym typeface="Calibri"/>
+              </a:rPr>
+              <a:t>회원가입</a:t>
+            </a:r>
+            <a:r>
+              <a:rPr lang="en-US" sz="2200" dirty="0">
+                <a:latin typeface="나눔스퀘어" panose="020B0600000101010101" pitchFamily="50" charset="-127"/>
+                <a:ea typeface="나눔스퀘어" panose="020B0600000101010101" pitchFamily="50" charset="-127"/>
+                <a:cs typeface="Calibri"/>
+                <a:sym typeface="Calibri"/>
+              </a:rPr>
+              <a:t> </a:t>
+            </a:r>
+            <a:r>
+              <a:rPr lang="en-US" sz="2200" dirty="0" err="1">
+                <a:latin typeface="나눔스퀘어" panose="020B0600000101010101" pitchFamily="50" charset="-127"/>
+                <a:ea typeface="나눔스퀘어" panose="020B0600000101010101" pitchFamily="50" charset="-127"/>
+                <a:cs typeface="Calibri"/>
+                <a:sym typeface="Calibri"/>
+              </a:rPr>
+              <a:t>메뉴를</a:t>
+            </a:r>
+            <a:r>
+              <a:rPr lang="en-US" sz="2200" dirty="0">
+                <a:latin typeface="나눔스퀘어" panose="020B0600000101010101" pitchFamily="50" charset="-127"/>
+                <a:ea typeface="나눔스퀘어" panose="020B0600000101010101" pitchFamily="50" charset="-127"/>
+                <a:cs typeface="Calibri"/>
+                <a:sym typeface="Calibri"/>
+              </a:rPr>
+              <a:t> </a:t>
+            </a:r>
+            <a:r>
+              <a:rPr lang="en-US" sz="2200" dirty="0" err="1">
+                <a:latin typeface="나눔스퀘어" panose="020B0600000101010101" pitchFamily="50" charset="-127"/>
+                <a:ea typeface="나눔스퀘어" panose="020B0600000101010101" pitchFamily="50" charset="-127"/>
+                <a:cs typeface="Calibri"/>
+                <a:sym typeface="Calibri"/>
+              </a:rPr>
+              <a:t>선택한다</a:t>
             </a:r>
             <a:r>
               <a:rPr lang="en-US" sz="2200" dirty="0">
@@ -37831,61 +38189,79 @@
                 <a:cs typeface="Calibri"/>
                 <a:sym typeface="Calibri"/>
               </a:rPr>
-              <a:t>비밀번호에</a:t>
-            </a:r>
-            <a:r>
-              <a:rPr lang="en-US" sz="2200" dirty="0">
-                <a:latin typeface="나눔스퀘어" panose="020B0600000101010101" pitchFamily="50" charset="-127"/>
-                <a:ea typeface="나눔스퀘어" panose="020B0600000101010101" pitchFamily="50" charset="-127"/>
-                <a:cs typeface="Calibri"/>
-                <a:sym typeface="Calibri"/>
-              </a:rPr>
-              <a:t> </a:t>
-            </a:r>
-            <a:r>
-              <a:rPr lang="en-US" sz="2200" dirty="0" err="1">
-                <a:latin typeface="나눔스퀘어" panose="020B0600000101010101" pitchFamily="50" charset="-127"/>
-                <a:ea typeface="나눔스퀘어" panose="020B0600000101010101" pitchFamily="50" charset="-127"/>
-                <a:cs typeface="Calibri"/>
-                <a:sym typeface="Calibri"/>
-              </a:rPr>
-              <a:t>영문자</a:t>
-            </a:r>
-            <a:r>
-              <a:rPr lang="en-US" sz="2200" dirty="0">
-                <a:latin typeface="나눔스퀘어" panose="020B0600000101010101" pitchFamily="50" charset="-127"/>
-                <a:ea typeface="나눔스퀘어" panose="020B0600000101010101" pitchFamily="50" charset="-127"/>
-                <a:cs typeface="Calibri"/>
-                <a:sym typeface="Calibri"/>
-              </a:rPr>
-              <a:t>, </a:t>
-            </a:r>
-            <a:r>
-              <a:rPr lang="en-US" sz="2200" dirty="0" err="1">
-                <a:latin typeface="나눔스퀘어" panose="020B0600000101010101" pitchFamily="50" charset="-127"/>
-                <a:ea typeface="나눔스퀘어" panose="020B0600000101010101" pitchFamily="50" charset="-127"/>
-                <a:cs typeface="Calibri"/>
-                <a:sym typeface="Calibri"/>
-              </a:rPr>
-              <a:t>특수문자를</a:t>
-            </a:r>
-            <a:r>
-              <a:rPr lang="en-US" sz="2200" dirty="0">
-                <a:latin typeface="나눔스퀘어" panose="020B0600000101010101" pitchFamily="50" charset="-127"/>
-                <a:ea typeface="나눔스퀘어" panose="020B0600000101010101" pitchFamily="50" charset="-127"/>
-                <a:cs typeface="Calibri"/>
-                <a:sym typeface="Calibri"/>
-              </a:rPr>
-              <a:t> </a:t>
-            </a:r>
-            <a:r>
-              <a:rPr lang="en-US" sz="2200" dirty="0" err="1">
-                <a:latin typeface="나눔스퀘어" panose="020B0600000101010101" pitchFamily="50" charset="-127"/>
-                <a:ea typeface="나눔스퀘어" panose="020B0600000101010101" pitchFamily="50" charset="-127"/>
-                <a:cs typeface="Calibri"/>
-                <a:sym typeface="Calibri"/>
-              </a:rPr>
-              <a:t>포함한다</a:t>
+              <a:t>아이디</a:t>
+            </a:r>
+            <a:r>
+              <a:rPr lang="en-US" sz="2200" dirty="0">
+                <a:latin typeface="나눔스퀘어" panose="020B0600000101010101" pitchFamily="50" charset="-127"/>
+                <a:ea typeface="나눔스퀘어" panose="020B0600000101010101" pitchFamily="50" charset="-127"/>
+                <a:cs typeface="Calibri"/>
+                <a:sym typeface="Calibri"/>
+              </a:rPr>
+              <a:t> </a:t>
+            </a:r>
+            <a:r>
+              <a:rPr lang="en-US" sz="2200" dirty="0" err="1">
+                <a:latin typeface="나눔스퀘어" panose="020B0600000101010101" pitchFamily="50" charset="-127"/>
+                <a:ea typeface="나눔스퀘어" panose="020B0600000101010101" pitchFamily="50" charset="-127"/>
+                <a:cs typeface="Calibri"/>
+                <a:sym typeface="Calibri"/>
+              </a:rPr>
+              <a:t>작성</a:t>
+            </a:r>
+            <a:r>
+              <a:rPr lang="en-US" sz="2200" dirty="0">
+                <a:latin typeface="나눔스퀘어" panose="020B0600000101010101" pitchFamily="50" charset="-127"/>
+                <a:ea typeface="나눔스퀘어" panose="020B0600000101010101" pitchFamily="50" charset="-127"/>
+                <a:cs typeface="Calibri"/>
+                <a:sym typeface="Calibri"/>
+              </a:rPr>
+              <a:t>(</a:t>
+            </a:r>
+            <a:r>
+              <a:rPr lang="en-US" sz="2200" dirty="0" err="1">
+                <a:latin typeface="나눔스퀘어" panose="020B0600000101010101" pitchFamily="50" charset="-127"/>
+                <a:ea typeface="나눔스퀘어" panose="020B0600000101010101" pitchFamily="50" charset="-127"/>
+                <a:cs typeface="Calibri"/>
+                <a:sym typeface="Calibri"/>
+              </a:rPr>
+              <a:t>이메일</a:t>
+            </a:r>
+            <a:r>
+              <a:rPr lang="en-US" sz="2200" dirty="0">
+                <a:latin typeface="나눔스퀘어" panose="020B0600000101010101" pitchFamily="50" charset="-127"/>
+                <a:ea typeface="나눔스퀘어" panose="020B0600000101010101" pitchFamily="50" charset="-127"/>
+                <a:cs typeface="Calibri"/>
+                <a:sym typeface="Calibri"/>
+              </a:rPr>
+              <a:t>)과 </a:t>
+            </a:r>
+            <a:r>
+              <a:rPr lang="en-US" sz="2200" dirty="0" err="1">
+                <a:latin typeface="나눔스퀘어" panose="020B0600000101010101" pitchFamily="50" charset="-127"/>
+                <a:ea typeface="나눔스퀘어" panose="020B0600000101010101" pitchFamily="50" charset="-127"/>
+                <a:cs typeface="Calibri"/>
+                <a:sym typeface="Calibri"/>
+              </a:rPr>
+              <a:t>비밀번호를</a:t>
+            </a:r>
+            <a:r>
+              <a:rPr lang="en-US" sz="2200" dirty="0">
+                <a:latin typeface="나눔스퀘어" panose="020B0600000101010101" pitchFamily="50" charset="-127"/>
+                <a:ea typeface="나눔스퀘어" panose="020B0600000101010101" pitchFamily="50" charset="-127"/>
+                <a:cs typeface="Calibri"/>
+                <a:sym typeface="Calibri"/>
+              </a:rPr>
+              <a:t> </a:t>
+            </a:r>
+            <a:r>
+              <a:rPr lang="en-US" sz="2200" dirty="0" err="1">
+                <a:latin typeface="나눔스퀘어" panose="020B0600000101010101" pitchFamily="50" charset="-127"/>
+                <a:ea typeface="나눔스퀘어" panose="020B0600000101010101" pitchFamily="50" charset="-127"/>
+                <a:cs typeface="Calibri"/>
+                <a:sym typeface="Calibri"/>
+              </a:rPr>
+              <a:t>작성한다</a:t>
             </a:r>
             <a:r>
               <a:rPr lang="en-US" sz="2200" dirty="0">
@@ -37954,61 +38330,61 @@
                 <a:cs typeface="Calibri"/>
                 <a:sym typeface="Calibri"/>
               </a:rPr>
-              <a:t>병원정보</a:t>
-            </a:r>
-            <a:r>
-              <a:rPr lang="en-US" sz="2200" dirty="0">
-                <a:latin typeface="나눔스퀘어" panose="020B0600000101010101" pitchFamily="50" charset="-127"/>
-                <a:ea typeface="나눔스퀘어" panose="020B0600000101010101" pitchFamily="50" charset="-127"/>
-                <a:cs typeface="Calibri"/>
-                <a:sym typeface="Calibri"/>
-              </a:rPr>
-              <a:t> </a:t>
-            </a:r>
-            <a:r>
-              <a:rPr lang="en-US" sz="2200" dirty="0" err="1">
-                <a:latin typeface="나눔스퀘어" panose="020B0600000101010101" pitchFamily="50" charset="-127"/>
-                <a:ea typeface="나눔스퀘어" panose="020B0600000101010101" pitchFamily="50" charset="-127"/>
-                <a:cs typeface="Calibri"/>
-                <a:sym typeface="Calibri"/>
-              </a:rPr>
-              <a:t>입력</a:t>
-            </a:r>
-            <a:r>
-              <a:rPr lang="en-US" sz="2200" dirty="0">
-                <a:latin typeface="나눔스퀘어" panose="020B0600000101010101" pitchFamily="50" charset="-127"/>
-                <a:ea typeface="나눔스퀘어" panose="020B0600000101010101" pitchFamily="50" charset="-127"/>
-                <a:cs typeface="Calibri"/>
-                <a:sym typeface="Calibri"/>
-              </a:rPr>
-              <a:t> </a:t>
-            </a:r>
-            <a:r>
-              <a:rPr lang="en-US" sz="2200" dirty="0" err="1">
-                <a:latin typeface="나눔스퀘어" panose="020B0600000101010101" pitchFamily="50" charset="-127"/>
-                <a:ea typeface="나눔스퀘어" panose="020B0600000101010101" pitchFamily="50" charset="-127"/>
-                <a:cs typeface="Calibri"/>
-                <a:sym typeface="Calibri"/>
-              </a:rPr>
-              <a:t>화면이</a:t>
-            </a:r>
-            <a:r>
-              <a:rPr lang="en-US" sz="2200" dirty="0">
-                <a:latin typeface="나눔스퀘어" panose="020B0600000101010101" pitchFamily="50" charset="-127"/>
-                <a:ea typeface="나눔스퀘어" panose="020B0600000101010101" pitchFamily="50" charset="-127"/>
-                <a:cs typeface="Calibri"/>
-                <a:sym typeface="Calibri"/>
-              </a:rPr>
-              <a:t> </a:t>
-            </a:r>
-            <a:r>
-              <a:rPr lang="en-US" sz="2200" dirty="0" err="1">
-                <a:latin typeface="나눔스퀘어" panose="020B0600000101010101" pitchFamily="50" charset="-127"/>
-                <a:ea typeface="나눔스퀘어" panose="020B0600000101010101" pitchFamily="50" charset="-127"/>
-                <a:cs typeface="Calibri"/>
-                <a:sym typeface="Calibri"/>
-              </a:rPr>
-              <a:t>실행된다</a:t>
+              <a:t>비밀번호에</a:t>
+            </a:r>
+            <a:r>
+              <a:rPr lang="en-US" sz="2200" dirty="0">
+                <a:latin typeface="나눔스퀘어" panose="020B0600000101010101" pitchFamily="50" charset="-127"/>
+                <a:ea typeface="나눔스퀘어" panose="020B0600000101010101" pitchFamily="50" charset="-127"/>
+                <a:cs typeface="Calibri"/>
+                <a:sym typeface="Calibri"/>
+              </a:rPr>
+              <a:t> </a:t>
+            </a:r>
+            <a:r>
+              <a:rPr lang="en-US" sz="2200" dirty="0" err="1">
+                <a:latin typeface="나눔스퀘어" panose="020B0600000101010101" pitchFamily="50" charset="-127"/>
+                <a:ea typeface="나눔스퀘어" panose="020B0600000101010101" pitchFamily="50" charset="-127"/>
+                <a:cs typeface="Calibri"/>
+                <a:sym typeface="Calibri"/>
+              </a:rPr>
+              <a:t>영문자</a:t>
+            </a:r>
+            <a:r>
+              <a:rPr lang="en-US" sz="2200" dirty="0">
+                <a:latin typeface="나눔스퀘어" panose="020B0600000101010101" pitchFamily="50" charset="-127"/>
+                <a:ea typeface="나눔스퀘어" panose="020B0600000101010101" pitchFamily="50" charset="-127"/>
+                <a:cs typeface="Calibri"/>
+                <a:sym typeface="Calibri"/>
+              </a:rPr>
+              <a:t>, </a:t>
+            </a:r>
+            <a:r>
+              <a:rPr lang="en-US" sz="2200" dirty="0" err="1">
+                <a:latin typeface="나눔스퀘어" panose="020B0600000101010101" pitchFamily="50" charset="-127"/>
+                <a:ea typeface="나눔스퀘어" panose="020B0600000101010101" pitchFamily="50" charset="-127"/>
+                <a:cs typeface="Calibri"/>
+                <a:sym typeface="Calibri"/>
+              </a:rPr>
+              <a:t>특수문자를</a:t>
+            </a:r>
+            <a:r>
+              <a:rPr lang="en-US" sz="2200" dirty="0">
+                <a:latin typeface="나눔스퀘어" panose="020B0600000101010101" pitchFamily="50" charset="-127"/>
+                <a:ea typeface="나눔스퀘어" panose="020B0600000101010101" pitchFamily="50" charset="-127"/>
+                <a:cs typeface="Calibri"/>
+                <a:sym typeface="Calibri"/>
+              </a:rPr>
+              <a:t> </a:t>
+            </a:r>
+            <a:r>
+              <a:rPr lang="en-US" sz="2200" dirty="0" err="1">
+                <a:latin typeface="나눔스퀘어" panose="020B0600000101010101" pitchFamily="50" charset="-127"/>
+                <a:ea typeface="나눔스퀘어" panose="020B0600000101010101" pitchFamily="50" charset="-127"/>
+                <a:cs typeface="Calibri"/>
+                <a:sym typeface="Calibri"/>
+              </a:rPr>
+              <a:t>포함한다</a:t>
             </a:r>
             <a:r>
               <a:rPr lang="en-US" sz="2200" dirty="0">
@@ -38077,25 +38453,7 @@
                 <a:cs typeface="Calibri"/>
                 <a:sym typeface="Calibri"/>
               </a:rPr>
-              <a:t>병원</a:t>
-            </a:r>
-            <a:r>
-              <a:rPr lang="en-US" sz="2200" dirty="0">
-                <a:latin typeface="나눔스퀘어" panose="020B0600000101010101" pitchFamily="50" charset="-127"/>
-                <a:ea typeface="나눔스퀘어" panose="020B0600000101010101" pitchFamily="50" charset="-127"/>
-                <a:cs typeface="Calibri"/>
-                <a:sym typeface="Calibri"/>
-              </a:rPr>
-              <a:t> </a:t>
-            </a:r>
-            <a:r>
-              <a:rPr lang="en-US" sz="2200" dirty="0" err="1">
-                <a:latin typeface="나눔스퀘어" panose="020B0600000101010101" pitchFamily="50" charset="-127"/>
-                <a:ea typeface="나눔스퀘어" panose="020B0600000101010101" pitchFamily="50" charset="-127"/>
-                <a:cs typeface="Calibri"/>
-                <a:sym typeface="Calibri"/>
-              </a:rPr>
-              <a:t>정보</a:t>
+              <a:t>병원정보</a:t>
             </a:r>
             <a:r>
               <a:rPr lang="en-US" sz="2200" dirty="0">
@@ -38131,89 +38489,54 @@
                 <a:cs typeface="Calibri"/>
                 <a:sym typeface="Calibri"/>
               </a:rPr>
-              <a:t>창을</a:t>
-            </a:r>
-            <a:r>
-              <a:rPr lang="en-US" sz="2200" dirty="0">
-                <a:latin typeface="나눔스퀘어" panose="020B0600000101010101" pitchFamily="50" charset="-127"/>
-                <a:ea typeface="나눔스퀘어" panose="020B0600000101010101" pitchFamily="50" charset="-127"/>
-                <a:cs typeface="Calibri"/>
-                <a:sym typeface="Calibri"/>
-              </a:rPr>
-              <a:t> </a:t>
-            </a:r>
-            <a:r>
-              <a:rPr lang="en-US" sz="2200" dirty="0" err="1">
-                <a:latin typeface="나눔스퀘어" panose="020B0600000101010101" pitchFamily="50" charset="-127"/>
-                <a:ea typeface="나눔스퀘어" panose="020B0600000101010101" pitchFamily="50" charset="-127"/>
-                <a:cs typeface="Calibri"/>
-                <a:sym typeface="Calibri"/>
-              </a:rPr>
-              <a:t>선택해</a:t>
-            </a:r>
-            <a:r>
-              <a:rPr lang="en-US" sz="2200" dirty="0">
-                <a:latin typeface="나눔스퀘어" panose="020B0600000101010101" pitchFamily="50" charset="-127"/>
-                <a:ea typeface="나눔스퀘어" panose="020B0600000101010101" pitchFamily="50" charset="-127"/>
-                <a:cs typeface="Calibri"/>
-                <a:sym typeface="Calibri"/>
-              </a:rPr>
-              <a:t> </a:t>
-            </a:r>
-            <a:r>
-              <a:rPr lang="en-US" sz="2200" dirty="0" err="1">
-                <a:latin typeface="나눔스퀘어" panose="020B0600000101010101" pitchFamily="50" charset="-127"/>
-                <a:ea typeface="나눔스퀘어" panose="020B0600000101010101" pitchFamily="50" charset="-127"/>
-                <a:cs typeface="Calibri"/>
-                <a:sym typeface="Calibri"/>
-              </a:rPr>
-              <a:t>회원</a:t>
-            </a:r>
-            <a:r>
-              <a:rPr lang="en-US" sz="2200" dirty="0">
-                <a:latin typeface="나눔스퀘어" panose="020B0600000101010101" pitchFamily="50" charset="-127"/>
-                <a:ea typeface="나눔스퀘어" panose="020B0600000101010101" pitchFamily="50" charset="-127"/>
-                <a:cs typeface="Calibri"/>
-                <a:sym typeface="Calibri"/>
-              </a:rPr>
-              <a:t> </a:t>
-            </a:r>
-            <a:r>
-              <a:rPr lang="en-US" sz="2200" dirty="0" err="1">
-                <a:latin typeface="나눔스퀘어" panose="020B0600000101010101" pitchFamily="50" charset="-127"/>
-                <a:ea typeface="나눔스퀘어" panose="020B0600000101010101" pitchFamily="50" charset="-127"/>
-                <a:cs typeface="Calibri"/>
-                <a:sym typeface="Calibri"/>
-              </a:rPr>
-              <a:t>정보를</a:t>
-            </a:r>
-            <a:r>
-              <a:rPr lang="en-US" sz="2200" dirty="0">
-                <a:latin typeface="나눔스퀘어" panose="020B0600000101010101" pitchFamily="50" charset="-127"/>
-                <a:ea typeface="나눔스퀘어" panose="020B0600000101010101" pitchFamily="50" charset="-127"/>
-                <a:cs typeface="Calibri"/>
-                <a:sym typeface="Calibri"/>
-              </a:rPr>
-              <a:t> </a:t>
-            </a:r>
-            <a:r>
-              <a:rPr lang="en-US" sz="2200" dirty="0" err="1">
-                <a:latin typeface="나눔스퀘어" panose="020B0600000101010101" pitchFamily="50" charset="-127"/>
-                <a:ea typeface="나눔스퀘어" panose="020B0600000101010101" pitchFamily="50" charset="-127"/>
-                <a:cs typeface="Calibri"/>
-                <a:sym typeface="Calibri"/>
-              </a:rPr>
-              <a:t>입력한다</a:t>
-            </a:r>
-            <a:r>
-              <a:rPr lang="en-US" sz="2200" dirty="0">
-                <a:latin typeface="나눔스퀘어" panose="020B0600000101010101" pitchFamily="50" charset="-127"/>
-                <a:ea typeface="나눔스퀘어" panose="020B0600000101010101" pitchFamily="50" charset="-127"/>
-                <a:cs typeface="Calibri"/>
-                <a:sym typeface="Calibri"/>
-              </a:rPr>
-              <a:t>.           </a:t>
-            </a:r>
+              <a:t>화면이</a:t>
+            </a:r>
+            <a:r>
+              <a:rPr lang="en-US" sz="2200" dirty="0">
+                <a:latin typeface="나눔스퀘어" panose="020B0600000101010101" pitchFamily="50" charset="-127"/>
+                <a:ea typeface="나눔스퀘어" panose="020B0600000101010101" pitchFamily="50" charset="-127"/>
+                <a:cs typeface="Calibri"/>
+                <a:sym typeface="Calibri"/>
+              </a:rPr>
+              <a:t> </a:t>
+            </a:r>
+            <a:r>
+              <a:rPr lang="en-US" sz="2200" dirty="0" err="1">
+                <a:latin typeface="나눔스퀘어" panose="020B0600000101010101" pitchFamily="50" charset="-127"/>
+                <a:ea typeface="나눔스퀘어" panose="020B0600000101010101" pitchFamily="50" charset="-127"/>
+                <a:cs typeface="Calibri"/>
+                <a:sym typeface="Calibri"/>
+              </a:rPr>
+              <a:t>실행된다</a:t>
+            </a:r>
+            <a:r>
+              <a:rPr lang="en-US" sz="2200" dirty="0">
+                <a:latin typeface="나눔스퀘어" panose="020B0600000101010101" pitchFamily="50" charset="-127"/>
+                <a:ea typeface="나눔스퀘어" panose="020B0600000101010101" pitchFamily="50" charset="-127"/>
+                <a:cs typeface="Calibri"/>
+                <a:sym typeface="Calibri"/>
+              </a:rPr>
+              <a:t>.</a:t>
+            </a:r>
+          </a:p>
+          <a:p>
+            <a:pPr marL="457200" lvl="0" indent="-368300" algn="l" rtl="0">
+              <a:spcBef>
+                <a:spcPts val="0"/>
+              </a:spcBef>
+              <a:spcAft>
+                <a:spcPts val="0"/>
+              </a:spcAft>
+              <a:buSzPts val="2200"/>
+              <a:buFont typeface="Calibri"/>
+              <a:buAutoNum type="arabicParenR"/>
+            </a:pPr>
+            <a:endParaRPr lang="en-US" sz="300" dirty="0">
+              <a:latin typeface="나눔스퀘어" panose="020B0600000101010101" pitchFamily="50" charset="-127"/>
+              <a:ea typeface="나눔스퀘어" panose="020B0600000101010101" pitchFamily="50" charset="-127"/>
+              <a:cs typeface="Calibri"/>
+              <a:sym typeface="Calibri"/>
+            </a:endParaRPr>
           </a:p>
           <a:p>
             <a:pPr marL="457200" lvl="0" indent="-368300" algn="l" rtl="0">
@@ -38253,108 +38576,157 @@
                 <a:cs typeface="Calibri"/>
                 <a:sym typeface="Calibri"/>
               </a:rPr>
-              <a:t>가입</a:t>
-            </a:r>
-            <a:r>
-              <a:rPr lang="en-US" sz="2200" dirty="0">
-                <a:latin typeface="나눔스퀘어" panose="020B0600000101010101" pitchFamily="50" charset="-127"/>
-                <a:ea typeface="나눔스퀘어" panose="020B0600000101010101" pitchFamily="50" charset="-127"/>
-                <a:cs typeface="Calibri"/>
-                <a:sym typeface="Calibri"/>
-              </a:rPr>
-              <a:t> </a:t>
-            </a:r>
-            <a:r>
-              <a:rPr lang="en-US" sz="2200" dirty="0" err="1">
-                <a:latin typeface="나눔스퀘어" panose="020B0600000101010101" pitchFamily="50" charset="-127"/>
-                <a:ea typeface="나눔스퀘어" panose="020B0600000101010101" pitchFamily="50" charset="-127"/>
-                <a:cs typeface="Calibri"/>
-                <a:sym typeface="Calibri"/>
-              </a:rPr>
-              <a:t>성공</a:t>
-            </a:r>
-            <a:r>
-              <a:rPr lang="en-US" sz="2200" dirty="0">
-                <a:latin typeface="나눔스퀘어" panose="020B0600000101010101" pitchFamily="50" charset="-127"/>
-                <a:ea typeface="나눔스퀘어" panose="020B0600000101010101" pitchFamily="50" charset="-127"/>
-                <a:cs typeface="Calibri"/>
-                <a:sym typeface="Calibri"/>
-              </a:rPr>
-              <a:t> </a:t>
-            </a:r>
-            <a:r>
-              <a:rPr lang="en-US" sz="2200" dirty="0" err="1">
-                <a:latin typeface="나눔스퀘어" panose="020B0600000101010101" pitchFamily="50" charset="-127"/>
-                <a:ea typeface="나눔스퀘어" panose="020B0600000101010101" pitchFamily="50" charset="-127"/>
-                <a:cs typeface="Calibri"/>
-                <a:sym typeface="Calibri"/>
-              </a:rPr>
-              <a:t>화면이</a:t>
-            </a:r>
-            <a:r>
-              <a:rPr lang="en-US" sz="2200" dirty="0">
-                <a:latin typeface="나눔스퀘어" panose="020B0600000101010101" pitchFamily="50" charset="-127"/>
-                <a:ea typeface="나눔스퀘어" panose="020B0600000101010101" pitchFamily="50" charset="-127"/>
-                <a:cs typeface="Calibri"/>
-                <a:sym typeface="Calibri"/>
-              </a:rPr>
-              <a:t> </a:t>
-            </a:r>
-            <a:r>
-              <a:rPr lang="en-US" sz="2200" dirty="0" err="1">
-                <a:latin typeface="나눔스퀘어" panose="020B0600000101010101" pitchFamily="50" charset="-127"/>
-                <a:ea typeface="나눔스퀘어" panose="020B0600000101010101" pitchFamily="50" charset="-127"/>
-                <a:cs typeface="Calibri"/>
-                <a:sym typeface="Calibri"/>
-              </a:rPr>
-              <a:t>나오고</a:t>
-            </a:r>
-            <a:r>
-              <a:rPr lang="en-US" sz="2200" dirty="0">
-                <a:latin typeface="나눔스퀘어" panose="020B0600000101010101" pitchFamily="50" charset="-127"/>
-                <a:ea typeface="나눔스퀘어" panose="020B0600000101010101" pitchFamily="50" charset="-127"/>
-                <a:cs typeface="Calibri"/>
-                <a:sym typeface="Calibri"/>
-              </a:rPr>
-              <a:t> </a:t>
-            </a:r>
-            <a:r>
-              <a:rPr lang="en-US" sz="2200" dirty="0" err="1">
-                <a:latin typeface="나눔스퀘어" panose="020B0600000101010101" pitchFamily="50" charset="-127"/>
-                <a:ea typeface="나눔스퀘어" panose="020B0600000101010101" pitchFamily="50" charset="-127"/>
-                <a:cs typeface="Calibri"/>
-                <a:sym typeface="Calibri"/>
-              </a:rPr>
-              <a:t>메인화면이</a:t>
-            </a:r>
-            <a:r>
-              <a:rPr lang="en-US" sz="2200" dirty="0">
-                <a:latin typeface="나눔스퀘어" panose="020B0600000101010101" pitchFamily="50" charset="-127"/>
-                <a:ea typeface="나눔스퀘어" panose="020B0600000101010101" pitchFamily="50" charset="-127"/>
-                <a:cs typeface="Calibri"/>
-                <a:sym typeface="Calibri"/>
-              </a:rPr>
-              <a:t> </a:t>
-            </a:r>
-            <a:r>
-              <a:rPr lang="en-US" sz="2200" dirty="0" err="1">
-                <a:latin typeface="나눔스퀘어" panose="020B0600000101010101" pitchFamily="50" charset="-127"/>
-                <a:ea typeface="나눔스퀘어" panose="020B0600000101010101" pitchFamily="50" charset="-127"/>
-                <a:cs typeface="Calibri"/>
-                <a:sym typeface="Calibri"/>
-              </a:rPr>
-              <a:t>수행된다</a:t>
-            </a:r>
-            <a:r>
-              <a:rPr lang="en-US" sz="2200" dirty="0">
-                <a:latin typeface="나눔스퀘어" panose="020B0600000101010101" pitchFamily="50" charset="-127"/>
-                <a:ea typeface="나눔스퀘어" panose="020B0600000101010101" pitchFamily="50" charset="-127"/>
-                <a:cs typeface="Calibri"/>
-                <a:sym typeface="Calibri"/>
-              </a:rPr>
-              <a:t>.</a:t>
-            </a:r>
-            <a:endParaRPr sz="2200" dirty="0">
+              <a:t>병원</a:t>
+            </a:r>
+            <a:r>
+              <a:rPr lang="en-US" sz="2200" dirty="0">
+                <a:latin typeface="나눔스퀘어" panose="020B0600000101010101" pitchFamily="50" charset="-127"/>
+                <a:ea typeface="나눔스퀘어" panose="020B0600000101010101" pitchFamily="50" charset="-127"/>
+                <a:cs typeface="Calibri"/>
+                <a:sym typeface="Calibri"/>
+              </a:rPr>
+              <a:t> </a:t>
+            </a:r>
+            <a:r>
+              <a:rPr lang="en-US" sz="2200" dirty="0" err="1">
+                <a:latin typeface="나눔스퀘어" panose="020B0600000101010101" pitchFamily="50" charset="-127"/>
+                <a:ea typeface="나눔스퀘어" panose="020B0600000101010101" pitchFamily="50" charset="-127"/>
+                <a:cs typeface="Calibri"/>
+                <a:sym typeface="Calibri"/>
+              </a:rPr>
+              <a:t>정보</a:t>
+            </a:r>
+            <a:r>
+              <a:rPr lang="en-US" sz="2200" dirty="0">
+                <a:latin typeface="나눔스퀘어" panose="020B0600000101010101" pitchFamily="50" charset="-127"/>
+                <a:ea typeface="나눔스퀘어" panose="020B0600000101010101" pitchFamily="50" charset="-127"/>
+                <a:cs typeface="Calibri"/>
+                <a:sym typeface="Calibri"/>
+              </a:rPr>
+              <a:t> </a:t>
+            </a:r>
+            <a:r>
+              <a:rPr lang="en-US" sz="2200" dirty="0" err="1">
+                <a:latin typeface="나눔스퀘어" panose="020B0600000101010101" pitchFamily="50" charset="-127"/>
+                <a:ea typeface="나눔스퀘어" panose="020B0600000101010101" pitchFamily="50" charset="-127"/>
+                <a:cs typeface="Calibri"/>
+                <a:sym typeface="Calibri"/>
+              </a:rPr>
+              <a:t>입력</a:t>
+            </a:r>
+            <a:r>
+              <a:rPr lang="en-US" sz="2200" dirty="0">
+                <a:latin typeface="나눔스퀘어" panose="020B0600000101010101" pitchFamily="50" charset="-127"/>
+                <a:ea typeface="나눔스퀘어" panose="020B0600000101010101" pitchFamily="50" charset="-127"/>
+                <a:cs typeface="Calibri"/>
+                <a:sym typeface="Calibri"/>
+              </a:rPr>
+              <a:t> </a:t>
+            </a:r>
+            <a:r>
+              <a:rPr lang="en-US" sz="2200" dirty="0" err="1">
+                <a:latin typeface="나눔스퀘어" panose="020B0600000101010101" pitchFamily="50" charset="-127"/>
+                <a:ea typeface="나눔스퀘어" panose="020B0600000101010101" pitchFamily="50" charset="-127"/>
+                <a:cs typeface="Calibri"/>
+                <a:sym typeface="Calibri"/>
+              </a:rPr>
+              <a:t>창을</a:t>
+            </a:r>
+            <a:r>
+              <a:rPr lang="en-US" sz="2200" dirty="0">
+                <a:latin typeface="나눔스퀘어" panose="020B0600000101010101" pitchFamily="50" charset="-127"/>
+                <a:ea typeface="나눔스퀘어" panose="020B0600000101010101" pitchFamily="50" charset="-127"/>
+                <a:cs typeface="Calibri"/>
+                <a:sym typeface="Calibri"/>
+              </a:rPr>
+              <a:t> </a:t>
+            </a:r>
+            <a:r>
+              <a:rPr lang="en-US" sz="2200" dirty="0" err="1">
+                <a:latin typeface="나눔스퀘어" panose="020B0600000101010101" pitchFamily="50" charset="-127"/>
+                <a:ea typeface="나눔스퀘어" panose="020B0600000101010101" pitchFamily="50" charset="-127"/>
+                <a:cs typeface="Calibri"/>
+                <a:sym typeface="Calibri"/>
+              </a:rPr>
+              <a:t>선택해</a:t>
+            </a:r>
+            <a:r>
+              <a:rPr lang="en-US" sz="2200" dirty="0">
+                <a:latin typeface="나눔스퀘어" panose="020B0600000101010101" pitchFamily="50" charset="-127"/>
+                <a:ea typeface="나눔스퀘어" panose="020B0600000101010101" pitchFamily="50" charset="-127"/>
+                <a:cs typeface="Calibri"/>
+                <a:sym typeface="Calibri"/>
+              </a:rPr>
+              <a:t> </a:t>
+            </a:r>
+            <a:r>
+              <a:rPr lang="en-US" sz="2200" dirty="0" err="1">
+                <a:latin typeface="나눔스퀘어" panose="020B0600000101010101" pitchFamily="50" charset="-127"/>
+                <a:ea typeface="나눔스퀘어" panose="020B0600000101010101" pitchFamily="50" charset="-127"/>
+                <a:cs typeface="Calibri"/>
+                <a:sym typeface="Calibri"/>
+              </a:rPr>
+              <a:t>회원</a:t>
+            </a:r>
+            <a:r>
+              <a:rPr lang="en-US" sz="2200" dirty="0">
+                <a:latin typeface="나눔스퀘어" panose="020B0600000101010101" pitchFamily="50" charset="-127"/>
+                <a:ea typeface="나눔스퀘어" panose="020B0600000101010101" pitchFamily="50" charset="-127"/>
+                <a:cs typeface="Calibri"/>
+                <a:sym typeface="Calibri"/>
+              </a:rPr>
+              <a:t> </a:t>
+            </a:r>
+            <a:r>
+              <a:rPr lang="en-US" sz="2200" dirty="0" err="1">
+                <a:latin typeface="나눔스퀘어" panose="020B0600000101010101" pitchFamily="50" charset="-127"/>
+                <a:ea typeface="나눔스퀘어" panose="020B0600000101010101" pitchFamily="50" charset="-127"/>
+                <a:cs typeface="Calibri"/>
+                <a:sym typeface="Calibri"/>
+              </a:rPr>
+              <a:t>정보를</a:t>
+            </a:r>
+            <a:r>
+              <a:rPr lang="en-US" sz="2200" dirty="0">
+                <a:latin typeface="나눔스퀘어" panose="020B0600000101010101" pitchFamily="50" charset="-127"/>
+                <a:ea typeface="나눔스퀘어" panose="020B0600000101010101" pitchFamily="50" charset="-127"/>
+                <a:cs typeface="Calibri"/>
+                <a:sym typeface="Calibri"/>
+              </a:rPr>
+              <a:t> </a:t>
+            </a:r>
+            <a:r>
+              <a:rPr lang="en-US" sz="2200" dirty="0" err="1">
+                <a:latin typeface="나눔스퀘어" panose="020B0600000101010101" pitchFamily="50" charset="-127"/>
+                <a:ea typeface="나눔스퀘어" panose="020B0600000101010101" pitchFamily="50" charset="-127"/>
+                <a:cs typeface="Calibri"/>
+                <a:sym typeface="Calibri"/>
+              </a:rPr>
+              <a:t>입력한다</a:t>
+            </a:r>
+            <a:r>
+              <a:rPr lang="en-US" sz="2200" dirty="0">
+                <a:latin typeface="나눔스퀘어" panose="020B0600000101010101" pitchFamily="50" charset="-127"/>
+                <a:ea typeface="나눔스퀘어" panose="020B0600000101010101" pitchFamily="50" charset="-127"/>
+                <a:cs typeface="Calibri"/>
+                <a:sym typeface="Calibri"/>
+              </a:rPr>
+              <a:t>.           </a:t>
+            </a:r>
+          </a:p>
+          <a:p>
+            <a:pPr marL="457200" lvl="0" indent="-368300" algn="l" rtl="0">
+              <a:spcBef>
+                <a:spcPts val="0"/>
+              </a:spcBef>
+              <a:spcAft>
+                <a:spcPts val="0"/>
+              </a:spcAft>
+              <a:buSzPts val="2200"/>
+              <a:buFont typeface="Calibri"/>
+              <a:buAutoNum type="arabicParenR"/>
+            </a:pPr>
+            <a:endParaRPr sz="300" dirty="0">
               <a:latin typeface="나눔스퀘어" panose="020B0600000101010101" pitchFamily="50" charset="-127"/>
               <a:ea typeface="나눔스퀘어" panose="020B0600000101010101" pitchFamily="50" charset="-127"/>
               <a:cs typeface="Calibri"/>
@@ -38362,15 +38734,225 @@
             </a:endParaRPr>
           </a:p>
           <a:p>
-            <a:pPr marL="0" lvl="0" indent="0" algn="l" rtl="0">
-              <a:spcBef>
-                <a:spcPts val="0"/>
-              </a:spcBef>
-              <a:spcAft>
-                <a:spcPts val="0"/>
-              </a:spcAft>
-              <a:buNone/>
+            <a:pPr marL="457200" lvl="0" indent="-368300" algn="l" rtl="0">
+              <a:spcBef>
+                <a:spcPts val="0"/>
+              </a:spcBef>
+              <a:spcAft>
+                <a:spcPts val="0"/>
+              </a:spcAft>
+              <a:buSzPts val="2200"/>
+              <a:buFont typeface="Calibri"/>
+              <a:buAutoNum type="arabicParenR"/>
             </a:pPr>
+            <a:r>
+              <a:rPr lang="en-US" sz="2200" dirty="0" err="1">
+                <a:latin typeface="나눔스퀘어" panose="020B0600000101010101" pitchFamily="50" charset="-127"/>
+                <a:ea typeface="나눔스퀘어" panose="020B0600000101010101" pitchFamily="50" charset="-127"/>
+                <a:cs typeface="Calibri"/>
+                <a:sym typeface="Calibri"/>
+              </a:rPr>
+              <a:t>가입</a:t>
+            </a:r>
+            <a:r>
+              <a:rPr lang="en-US" sz="2200" dirty="0">
+                <a:latin typeface="나눔스퀘어" panose="020B0600000101010101" pitchFamily="50" charset="-127"/>
+                <a:ea typeface="나눔스퀘어" panose="020B0600000101010101" pitchFamily="50" charset="-127"/>
+                <a:cs typeface="Calibri"/>
+                <a:sym typeface="Calibri"/>
+              </a:rPr>
+              <a:t> </a:t>
+            </a:r>
+            <a:r>
+              <a:rPr lang="en-US" sz="2200" dirty="0" err="1">
+                <a:latin typeface="나눔스퀘어" panose="020B0600000101010101" pitchFamily="50" charset="-127"/>
+                <a:ea typeface="나눔스퀘어" panose="020B0600000101010101" pitchFamily="50" charset="-127"/>
+                <a:cs typeface="Calibri"/>
+                <a:sym typeface="Calibri"/>
+              </a:rPr>
+              <a:t>성공</a:t>
+            </a:r>
+            <a:r>
+              <a:rPr lang="en-US" sz="2200" dirty="0">
+                <a:latin typeface="나눔스퀘어" panose="020B0600000101010101" pitchFamily="50" charset="-127"/>
+                <a:ea typeface="나눔스퀘어" panose="020B0600000101010101" pitchFamily="50" charset="-127"/>
+                <a:cs typeface="Calibri"/>
+                <a:sym typeface="Calibri"/>
+              </a:rPr>
+              <a:t> </a:t>
+            </a:r>
+            <a:r>
+              <a:rPr lang="en-US" sz="2200" dirty="0" err="1">
+                <a:latin typeface="나눔스퀘어" panose="020B0600000101010101" pitchFamily="50" charset="-127"/>
+                <a:ea typeface="나눔스퀘어" panose="020B0600000101010101" pitchFamily="50" charset="-127"/>
+                <a:cs typeface="Calibri"/>
+                <a:sym typeface="Calibri"/>
+              </a:rPr>
+              <a:t>화면이</a:t>
+            </a:r>
+            <a:r>
+              <a:rPr lang="en-US" sz="2200" dirty="0">
+                <a:latin typeface="나눔스퀘어" panose="020B0600000101010101" pitchFamily="50" charset="-127"/>
+                <a:ea typeface="나눔스퀘어" panose="020B0600000101010101" pitchFamily="50" charset="-127"/>
+                <a:cs typeface="Calibri"/>
+                <a:sym typeface="Calibri"/>
+              </a:rPr>
+              <a:t> </a:t>
+            </a:r>
+            <a:r>
+              <a:rPr lang="en-US" sz="2200" dirty="0" err="1">
+                <a:latin typeface="나눔스퀘어" panose="020B0600000101010101" pitchFamily="50" charset="-127"/>
+                <a:ea typeface="나눔스퀘어" panose="020B0600000101010101" pitchFamily="50" charset="-127"/>
+                <a:cs typeface="Calibri"/>
+                <a:sym typeface="Calibri"/>
+              </a:rPr>
+              <a:t>나오고</a:t>
+            </a:r>
+            <a:r>
+              <a:rPr lang="en-US" sz="2200" dirty="0">
+                <a:latin typeface="나눔스퀘어" panose="020B0600000101010101" pitchFamily="50" charset="-127"/>
+                <a:ea typeface="나눔스퀘어" panose="020B0600000101010101" pitchFamily="50" charset="-127"/>
+                <a:cs typeface="Calibri"/>
+                <a:sym typeface="Calibri"/>
+              </a:rPr>
+              <a:t> </a:t>
+            </a:r>
+            <a:r>
+              <a:rPr lang="en-US" sz="2200" dirty="0" err="1">
+                <a:latin typeface="나눔스퀘어" panose="020B0600000101010101" pitchFamily="50" charset="-127"/>
+                <a:ea typeface="나눔스퀘어" panose="020B0600000101010101" pitchFamily="50" charset="-127"/>
+                <a:cs typeface="Calibri"/>
+                <a:sym typeface="Calibri"/>
+              </a:rPr>
+              <a:t>메인화면이</a:t>
+            </a:r>
+            <a:r>
+              <a:rPr lang="en-US" sz="2200" dirty="0">
+                <a:latin typeface="나눔스퀘어" panose="020B0600000101010101" pitchFamily="50" charset="-127"/>
+                <a:ea typeface="나눔스퀘어" panose="020B0600000101010101" pitchFamily="50" charset="-127"/>
+                <a:cs typeface="Calibri"/>
+                <a:sym typeface="Calibri"/>
+              </a:rPr>
+              <a:t> </a:t>
+            </a:r>
+            <a:r>
+              <a:rPr lang="en-US" sz="2200" dirty="0" err="1">
+                <a:latin typeface="나눔스퀘어" panose="020B0600000101010101" pitchFamily="50" charset="-127"/>
+                <a:ea typeface="나눔스퀘어" panose="020B0600000101010101" pitchFamily="50" charset="-127"/>
+                <a:cs typeface="Calibri"/>
+                <a:sym typeface="Calibri"/>
+              </a:rPr>
+              <a:t>수행된다</a:t>
+            </a:r>
+            <a:r>
+              <a:rPr lang="en-US" sz="2200" dirty="0">
+                <a:latin typeface="나눔스퀘어" panose="020B0600000101010101" pitchFamily="50" charset="-127"/>
+                <a:ea typeface="나눔스퀘어" panose="020B0600000101010101" pitchFamily="50" charset="-127"/>
+                <a:cs typeface="Calibri"/>
+                <a:sym typeface="Calibri"/>
+              </a:rPr>
+              <a:t>.</a:t>
+            </a:r>
+          </a:p>
+          <a:p>
+            <a:pPr marL="457200" lvl="0" indent="-368300" algn="l" rtl="0">
+              <a:spcBef>
+                <a:spcPts val="0"/>
+              </a:spcBef>
+              <a:spcAft>
+                <a:spcPts val="0"/>
+              </a:spcAft>
+              <a:buSzPts val="2200"/>
+              <a:buFont typeface="Calibri"/>
+              <a:buAutoNum type="arabicParenR"/>
+            </a:pPr>
+            <a:endParaRPr lang="en-US" sz="300" dirty="0">
+              <a:latin typeface="나눔스퀘어" panose="020B0600000101010101" pitchFamily="50" charset="-127"/>
+              <a:ea typeface="나눔스퀘어" panose="020B0600000101010101" pitchFamily="50" charset="-127"/>
+              <a:cs typeface="Calibri"/>
+              <a:sym typeface="Calibri"/>
+            </a:endParaRPr>
+          </a:p>
+          <a:p>
+            <a:pPr marL="457200" lvl="0" indent="-368300" algn="l" rtl="0">
+              <a:spcBef>
+                <a:spcPts val="0"/>
+              </a:spcBef>
+              <a:spcAft>
+                <a:spcPts val="0"/>
+              </a:spcAft>
+              <a:buSzPts val="2200"/>
+              <a:buFont typeface="Calibri"/>
+              <a:buAutoNum type="arabicParenR"/>
+            </a:pPr>
+            <a:r>
+              <a:rPr lang="ko-KR" altLang="en-US" sz="2200" dirty="0">
+                <a:latin typeface="나눔스퀘어" panose="020B0600000101010101" pitchFamily="50" charset="-127"/>
+                <a:ea typeface="나눔스퀘어" panose="020B0600000101010101" pitchFamily="50" charset="-127"/>
+                <a:cs typeface="Calibri"/>
+                <a:sym typeface="Calibri"/>
+              </a:rPr>
+              <a:t>회원가입한 폼으로 로그인 한다</a:t>
+            </a:r>
+            <a:r>
+              <a:rPr lang="en-US" altLang="ko-KR" sz="2200" dirty="0">
+                <a:latin typeface="나눔스퀘어" panose="020B0600000101010101" pitchFamily="50" charset="-127"/>
+                <a:ea typeface="나눔스퀘어" panose="020B0600000101010101" pitchFamily="50" charset="-127"/>
+                <a:cs typeface="Calibri"/>
+                <a:sym typeface="Calibri"/>
+              </a:rPr>
+              <a:t>.</a:t>
+            </a:r>
+          </a:p>
+          <a:p>
+            <a:pPr marL="457200" lvl="0" indent="-368300" algn="l" rtl="0">
+              <a:spcBef>
+                <a:spcPts val="0"/>
+              </a:spcBef>
+              <a:spcAft>
+                <a:spcPts val="0"/>
+              </a:spcAft>
+              <a:buSzPts val="2200"/>
+              <a:buFont typeface="Calibri"/>
+              <a:buAutoNum type="arabicParenR"/>
+            </a:pPr>
+            <a:endParaRPr lang="en-US" altLang="ko-KR" sz="300" dirty="0">
+              <a:latin typeface="나눔스퀘어" panose="020B0600000101010101" pitchFamily="50" charset="-127"/>
+              <a:ea typeface="나눔스퀘어" panose="020B0600000101010101" pitchFamily="50" charset="-127"/>
+              <a:cs typeface="Calibri"/>
+              <a:sym typeface="Calibri"/>
+            </a:endParaRPr>
+          </a:p>
+          <a:p>
+            <a:pPr marL="457200" lvl="0" indent="-368300" algn="l" rtl="0">
+              <a:spcBef>
+                <a:spcPts val="0"/>
+              </a:spcBef>
+              <a:spcAft>
+                <a:spcPts val="0"/>
+              </a:spcAft>
+              <a:buSzPts val="2200"/>
+              <a:buFont typeface="Calibri"/>
+              <a:buAutoNum type="arabicParenR"/>
+            </a:pPr>
+            <a:r>
+              <a:rPr lang="ko-KR" altLang="en-US" sz="2200" dirty="0">
+                <a:latin typeface="나눔스퀘어" panose="020B0600000101010101" pitchFamily="50" charset="-127"/>
+                <a:ea typeface="나눔스퀘어" panose="020B0600000101010101" pitchFamily="50" charset="-127"/>
+                <a:cs typeface="Calibri"/>
+                <a:sym typeface="Calibri"/>
+              </a:rPr>
+              <a:t>메인 화면의 메뉴를 실행한다</a:t>
+            </a:r>
+            <a:r>
+              <a:rPr lang="en-US" altLang="ko-KR" sz="2200" dirty="0">
+                <a:latin typeface="나눔스퀘어" panose="020B0600000101010101" pitchFamily="50" charset="-127"/>
+                <a:ea typeface="나눔스퀘어" panose="020B0600000101010101" pitchFamily="50" charset="-127"/>
+                <a:cs typeface="Calibri"/>
+                <a:sym typeface="Calibri"/>
+              </a:rPr>
+              <a:t>.</a:t>
+            </a:r>
             <a:endParaRPr sz="2200" dirty="0">
               <a:latin typeface="나눔스퀘어" panose="020B0600000101010101" pitchFamily="50" charset="-127"/>
               <a:ea typeface="나눔스퀘어" panose="020B0600000101010101" pitchFamily="50" charset="-127"/>
@@ -38388,8 +38970,8 @@
         </p:nvSpPr>
         <p:spPr>
           <a:xfrm>
-            <a:off x="9412021" y="4090589"/>
-            <a:ext cx="6962274" cy="2923847"/>
+            <a:off x="9412021" y="4214580"/>
+            <a:ext cx="6962274" cy="3862566"/>
           </a:xfrm>
           <a:prstGeom prst="rect">
             <a:avLst/>
@@ -38862,214 +39444,6 @@
               </a:rPr>
               <a:t>.</a:t>
             </a:r>
-            <a:endParaRPr sz="2000" dirty="0">
-              <a:solidFill>
-                <a:schemeClr val="dk1"/>
-              </a:solidFill>
-              <a:latin typeface="나눔스퀘어" panose="020B0600000101010101" pitchFamily="50" charset="-127"/>
-              <a:ea typeface="나눔스퀘어" panose="020B0600000101010101" pitchFamily="50" charset="-127"/>
-            </a:endParaRPr>
-          </a:p>
-          <a:p>
-            <a:pPr marL="457200" lvl="0" indent="0" algn="l" rtl="0">
-              <a:spcBef>
-                <a:spcPts val="0"/>
-              </a:spcBef>
-              <a:spcAft>
-                <a:spcPts val="0"/>
-              </a:spcAft>
-              <a:buNone/>
-            </a:pPr>
-            <a:endParaRPr sz="1000" dirty="0">
-              <a:solidFill>
-                <a:schemeClr val="dk1"/>
-              </a:solidFill>
-              <a:latin typeface="나눔스퀘어" panose="020B0600000101010101" pitchFamily="50" charset="-127"/>
-              <a:ea typeface="나눔스퀘어" panose="020B0600000101010101" pitchFamily="50" charset="-127"/>
-            </a:endParaRPr>
-          </a:p>
-          <a:p>
-            <a:pPr marL="88900" lvl="0" algn="l" rtl="0">
-              <a:spcBef>
-                <a:spcPts val="0"/>
-              </a:spcBef>
-              <a:spcAft>
-                <a:spcPts val="0"/>
-              </a:spcAft>
-              <a:buClr>
-                <a:schemeClr val="dk1"/>
-              </a:buClr>
-              <a:buSzPts val="2200"/>
-            </a:pPr>
-            <a:r>
-              <a:rPr lang="en-US" sz="2000" dirty="0">
-                <a:solidFill>
-                  <a:schemeClr val="dk1"/>
-                </a:solidFill>
-                <a:latin typeface="나눔스퀘어" panose="020B0600000101010101" pitchFamily="50" charset="-127"/>
-                <a:ea typeface="나눔스퀘어" panose="020B0600000101010101" pitchFamily="50" charset="-127"/>
-              </a:rPr>
-              <a:t>Ep2</a:t>
-            </a:r>
-            <a:r>
-              <a:rPr lang="en-US" sz="2200" dirty="0">
-                <a:solidFill>
-                  <a:schemeClr val="dk1"/>
-                </a:solidFill>
-                <a:latin typeface="나눔스퀘어" panose="020B0600000101010101" pitchFamily="50" charset="-127"/>
-                <a:ea typeface="나눔스퀘어" panose="020B0600000101010101" pitchFamily="50" charset="-127"/>
-              </a:rPr>
-              <a:t>. </a:t>
-            </a:r>
-            <a:r>
-              <a:rPr lang="en-US" sz="2200" dirty="0" err="1">
-                <a:solidFill>
-                  <a:schemeClr val="dk1"/>
-                </a:solidFill>
-                <a:latin typeface="나눔스퀘어" panose="020B0600000101010101" pitchFamily="50" charset="-127"/>
-                <a:ea typeface="나눔스퀘어" panose="020B0600000101010101" pitchFamily="50" charset="-127"/>
-              </a:rPr>
-              <a:t>사용자가</a:t>
-            </a:r>
-            <a:r>
-              <a:rPr lang="en-US" sz="2200" dirty="0">
-                <a:solidFill>
-                  <a:schemeClr val="dk1"/>
-                </a:solidFill>
-                <a:latin typeface="나눔스퀘어" panose="020B0600000101010101" pitchFamily="50" charset="-127"/>
-                <a:ea typeface="나눔스퀘어" panose="020B0600000101010101" pitchFamily="50" charset="-127"/>
-              </a:rPr>
-              <a:t> </a:t>
-            </a:r>
-            <a:r>
-              <a:rPr lang="en-US" sz="2200" dirty="0" err="1">
-                <a:solidFill>
-                  <a:schemeClr val="dk1"/>
-                </a:solidFill>
-                <a:latin typeface="나눔스퀘어" panose="020B0600000101010101" pitchFamily="50" charset="-127"/>
-                <a:ea typeface="나눔스퀘어" panose="020B0600000101010101" pitchFamily="50" charset="-127"/>
-              </a:rPr>
-              <a:t>비밀번호를</a:t>
-            </a:r>
-            <a:r>
-              <a:rPr lang="en-US" sz="2200" dirty="0">
-                <a:solidFill>
-                  <a:schemeClr val="dk1"/>
-                </a:solidFill>
-                <a:latin typeface="나눔스퀘어" panose="020B0600000101010101" pitchFamily="50" charset="-127"/>
-                <a:ea typeface="나눔스퀘어" panose="020B0600000101010101" pitchFamily="50" charset="-127"/>
-              </a:rPr>
-              <a:t> </a:t>
-            </a:r>
-            <a:r>
-              <a:rPr lang="en-US" sz="2200" dirty="0" err="1">
-                <a:solidFill>
-                  <a:schemeClr val="dk1"/>
-                </a:solidFill>
-                <a:latin typeface="나눔스퀘어" panose="020B0600000101010101" pitchFamily="50" charset="-127"/>
-                <a:ea typeface="나눔스퀘어" panose="020B0600000101010101" pitchFamily="50" charset="-127"/>
-              </a:rPr>
-              <a:t>잃어버렸을</a:t>
-            </a:r>
-            <a:r>
-              <a:rPr lang="en-US" sz="2200" dirty="0">
-                <a:solidFill>
-                  <a:schemeClr val="dk1"/>
-                </a:solidFill>
-                <a:latin typeface="나눔스퀘어" panose="020B0600000101010101" pitchFamily="50" charset="-127"/>
-                <a:ea typeface="나눔스퀘어" panose="020B0600000101010101" pitchFamily="50" charset="-127"/>
-              </a:rPr>
-              <a:t> </a:t>
-            </a:r>
-            <a:r>
-              <a:rPr lang="en-US" sz="2200" dirty="0" err="1">
-                <a:solidFill>
-                  <a:schemeClr val="dk1"/>
-                </a:solidFill>
-                <a:latin typeface="나눔스퀘어" panose="020B0600000101010101" pitchFamily="50" charset="-127"/>
-                <a:ea typeface="나눔스퀘어" panose="020B0600000101010101" pitchFamily="50" charset="-127"/>
-              </a:rPr>
-              <a:t>경우</a:t>
-            </a:r>
-            <a:endParaRPr lang="ko-KR" altLang="en-US" sz="2200" dirty="0">
-              <a:solidFill>
-                <a:schemeClr val="dk1"/>
-              </a:solidFill>
-              <a:latin typeface="나눔스퀘어" panose="020B0600000101010101" pitchFamily="50" charset="-127"/>
-              <a:ea typeface="나눔스퀘어" panose="020B0600000101010101" pitchFamily="50" charset="-127"/>
-            </a:endParaRPr>
-          </a:p>
-          <a:p>
-            <a:pPr marL="88900" lvl="0" algn="l" rtl="0">
-              <a:spcBef>
-                <a:spcPts val="0"/>
-              </a:spcBef>
-              <a:spcAft>
-                <a:spcPts val="0"/>
-              </a:spcAft>
-              <a:buClr>
-                <a:schemeClr val="dk1"/>
-              </a:buClr>
-              <a:buSzPts val="2200"/>
-            </a:pPr>
-            <a:endParaRPr lang="ko-KR" altLang="en-US" sz="300" dirty="0">
-              <a:solidFill>
-                <a:schemeClr val="dk1"/>
-              </a:solidFill>
-              <a:latin typeface="나눔스퀘어" panose="020B0600000101010101" pitchFamily="50" charset="-127"/>
-              <a:ea typeface="나눔스퀘어" panose="020B0600000101010101" pitchFamily="50" charset="-127"/>
-            </a:endParaRPr>
-          </a:p>
-          <a:p>
-            <a:pPr marL="457200" lvl="0" indent="0" algn="l" rtl="0">
-              <a:spcBef>
-                <a:spcPts val="0"/>
-              </a:spcBef>
-              <a:spcAft>
-                <a:spcPts val="0"/>
-              </a:spcAft>
-              <a:buNone/>
-            </a:pPr>
-            <a:r>
-              <a:rPr lang="ko-KR" altLang="en-US" sz="2000" dirty="0">
-                <a:solidFill>
-                  <a:schemeClr val="dk1"/>
-                </a:solidFill>
-                <a:latin typeface="나눔스퀘어" panose="020B0600000101010101" pitchFamily="50" charset="-127"/>
-                <a:ea typeface="나눔스퀘어" panose="020B0600000101010101" pitchFamily="50" charset="-127"/>
-              </a:rPr>
-              <a:t> </a:t>
-            </a:r>
-            <a:r>
-              <a:rPr lang="en-US" altLang="ko-KR" sz="2000" dirty="0">
-                <a:solidFill>
-                  <a:schemeClr val="dk1"/>
-                </a:solidFill>
-                <a:latin typeface="나눔스퀘어" panose="020B0600000101010101" pitchFamily="50" charset="-127"/>
-                <a:ea typeface="나눔스퀘어" panose="020B0600000101010101" pitchFamily="50" charset="-127"/>
-              </a:rPr>
-              <a:t>- </a:t>
-            </a:r>
-            <a:r>
-              <a:rPr lang="ko-KR" altLang="en-US" sz="2000" dirty="0">
-                <a:solidFill>
-                  <a:schemeClr val="dk1"/>
-                </a:solidFill>
-                <a:latin typeface="나눔스퀘어" panose="020B0600000101010101" pitchFamily="50" charset="-127"/>
-                <a:ea typeface="나눔스퀘어" panose="020B0600000101010101" pitchFamily="50" charset="-127"/>
-              </a:rPr>
-              <a:t>사용자 이메일을 인증을 통해 회원정보를 확인한다</a:t>
-            </a:r>
-            <a:r>
-              <a:rPr lang="en-US" altLang="ko-KR" sz="2000" dirty="0">
-                <a:solidFill>
-                  <a:schemeClr val="dk1"/>
-                </a:solidFill>
-                <a:latin typeface="나눔스퀘어" panose="020B0600000101010101" pitchFamily="50" charset="-127"/>
-                <a:ea typeface="나눔스퀘어" panose="020B0600000101010101" pitchFamily="50" charset="-127"/>
-              </a:rPr>
-              <a:t>. </a:t>
-            </a:r>
             <a:endParaRPr lang="ko-KR" altLang="en-US" sz="2000" dirty="0">
               <a:solidFill>
                 <a:schemeClr val="dk1"/>
@@ -39088,53 +39462,353 @@
               </a:spcAft>
               <a:buNone/>
             </a:pPr>
-            <a:r>
-              <a:rPr lang="en-US" sz="2000" dirty="0">
-                <a:solidFill>
-                  <a:schemeClr val="dk1"/>
-                </a:solidFill>
-                <a:latin typeface="나눔스퀘어" panose="020B0600000101010101" pitchFamily="50" charset="-127"/>
-                <a:ea typeface="나눔스퀘어" panose="020B0600000101010101" pitchFamily="50" charset="-127"/>
-              </a:rPr>
-              <a:t> </a:t>
-            </a:r>
-            <a:r>
-              <a:rPr lang="en-US" altLang="ko-KR" sz="2000" dirty="0">
-                <a:solidFill>
-                  <a:schemeClr val="dk1"/>
-                </a:solidFill>
-                <a:latin typeface="나눔스퀘어" panose="020B0600000101010101" pitchFamily="50" charset="-127"/>
-                <a:ea typeface="나눔스퀘어" panose="020B0600000101010101" pitchFamily="50" charset="-127"/>
-              </a:rPr>
-              <a:t>- </a:t>
-            </a:r>
-            <a:r>
-              <a:rPr lang="ko-KR" altLang="en-US" sz="2000" dirty="0">
-                <a:solidFill>
-                  <a:schemeClr val="dk1"/>
-                </a:solidFill>
-                <a:latin typeface="나눔스퀘어" panose="020B0600000101010101" pitchFamily="50" charset="-127"/>
-                <a:ea typeface="나눔스퀘어" panose="020B0600000101010101" pitchFamily="50" charset="-127"/>
-              </a:rPr>
-              <a:t>임시 비밀번호를 제공한다</a:t>
-            </a:r>
-            <a:r>
-              <a:rPr lang="en-US" altLang="ko-KR" sz="2000" dirty="0">
-                <a:solidFill>
-                  <a:schemeClr val="dk1"/>
-                </a:solidFill>
-                <a:latin typeface="나눔스퀘어" panose="020B0600000101010101" pitchFamily="50" charset="-127"/>
-                <a:ea typeface="나눔스퀘어" panose="020B0600000101010101" pitchFamily="50" charset="-127"/>
-              </a:rPr>
-              <a:t>.</a:t>
-            </a:r>
-            <a:endParaRPr lang="ko-KR" altLang="en-US" sz="2000" dirty="0">
+            <a:endParaRPr lang="ko-KR" altLang="en-US" sz="500" dirty="0">
               <a:solidFill>
                 <a:schemeClr val="dk1"/>
               </a:solidFill>
               <a:latin typeface="나눔스퀘어" panose="020B0600000101010101" pitchFamily="50" charset="-127"/>
               <a:ea typeface="나눔스퀘어" panose="020B0600000101010101" pitchFamily="50" charset="-127"/>
             </a:endParaRPr>
+          </a:p>
+          <a:p>
+            <a:pPr marL="88900" lvl="0" algn="l" rtl="0">
+              <a:spcBef>
+                <a:spcPts val="0"/>
+              </a:spcBef>
+              <a:spcAft>
+                <a:spcPts val="0"/>
+              </a:spcAft>
+              <a:buClr>
+                <a:schemeClr val="dk1"/>
+              </a:buClr>
+              <a:buSzPts val="2200"/>
+            </a:pPr>
+            <a:r>
+              <a:rPr lang="en-US" sz="2000" dirty="0">
+                <a:solidFill>
+                  <a:schemeClr val="dk1"/>
+                </a:solidFill>
+                <a:latin typeface="나눔스퀘어" panose="020B0600000101010101" pitchFamily="50" charset="-127"/>
+                <a:ea typeface="나눔스퀘어" panose="020B0600000101010101" pitchFamily="50" charset="-127"/>
+              </a:rPr>
+              <a:t>Ep2</a:t>
+            </a:r>
+            <a:r>
+              <a:rPr lang="en-US" sz="2200" dirty="0">
+                <a:solidFill>
+                  <a:schemeClr val="dk1"/>
+                </a:solidFill>
+                <a:latin typeface="나눔스퀘어" panose="020B0600000101010101" pitchFamily="50" charset="-127"/>
+                <a:ea typeface="나눔스퀘어" panose="020B0600000101010101" pitchFamily="50" charset="-127"/>
+              </a:rPr>
+              <a:t>. </a:t>
+            </a:r>
+            <a:r>
+              <a:rPr lang="en-US" sz="2200" dirty="0" err="1">
+                <a:solidFill>
+                  <a:schemeClr val="dk1"/>
+                </a:solidFill>
+                <a:latin typeface="나눔스퀘어" panose="020B0600000101010101" pitchFamily="50" charset="-127"/>
+                <a:ea typeface="나눔스퀘어" panose="020B0600000101010101" pitchFamily="50" charset="-127"/>
+              </a:rPr>
+              <a:t>사용자가</a:t>
+            </a:r>
+            <a:r>
+              <a:rPr lang="en-US" sz="2200" dirty="0">
+                <a:solidFill>
+                  <a:schemeClr val="dk1"/>
+                </a:solidFill>
+                <a:latin typeface="나눔스퀘어" panose="020B0600000101010101" pitchFamily="50" charset="-127"/>
+                <a:ea typeface="나눔스퀘어" panose="020B0600000101010101" pitchFamily="50" charset="-127"/>
+              </a:rPr>
+              <a:t> </a:t>
+            </a:r>
+            <a:r>
+              <a:rPr lang="en-US" sz="2200" dirty="0" err="1">
+                <a:solidFill>
+                  <a:schemeClr val="dk1"/>
+                </a:solidFill>
+                <a:latin typeface="나눔스퀘어" panose="020B0600000101010101" pitchFamily="50" charset="-127"/>
+                <a:ea typeface="나눔스퀘어" panose="020B0600000101010101" pitchFamily="50" charset="-127"/>
+              </a:rPr>
+              <a:t>비밀번호를</a:t>
+            </a:r>
+            <a:r>
+              <a:rPr lang="en-US" sz="2200" dirty="0">
+                <a:solidFill>
+                  <a:schemeClr val="dk1"/>
+                </a:solidFill>
+                <a:latin typeface="나눔스퀘어" panose="020B0600000101010101" pitchFamily="50" charset="-127"/>
+                <a:ea typeface="나눔스퀘어" panose="020B0600000101010101" pitchFamily="50" charset="-127"/>
+              </a:rPr>
+              <a:t> </a:t>
+            </a:r>
+            <a:r>
+              <a:rPr lang="en-US" sz="2200" dirty="0" err="1">
+                <a:solidFill>
+                  <a:schemeClr val="dk1"/>
+                </a:solidFill>
+                <a:latin typeface="나눔스퀘어" panose="020B0600000101010101" pitchFamily="50" charset="-127"/>
+                <a:ea typeface="나눔스퀘어" panose="020B0600000101010101" pitchFamily="50" charset="-127"/>
+              </a:rPr>
+              <a:t>잃어버렸을</a:t>
+            </a:r>
+            <a:r>
+              <a:rPr lang="en-US" sz="2200" dirty="0">
+                <a:solidFill>
+                  <a:schemeClr val="dk1"/>
+                </a:solidFill>
+                <a:latin typeface="나눔스퀘어" panose="020B0600000101010101" pitchFamily="50" charset="-127"/>
+                <a:ea typeface="나눔스퀘어" panose="020B0600000101010101" pitchFamily="50" charset="-127"/>
+              </a:rPr>
+              <a:t> </a:t>
+            </a:r>
+            <a:r>
+              <a:rPr lang="en-US" sz="2200" dirty="0" err="1">
+                <a:solidFill>
+                  <a:schemeClr val="dk1"/>
+                </a:solidFill>
+                <a:latin typeface="나눔스퀘어" panose="020B0600000101010101" pitchFamily="50" charset="-127"/>
+                <a:ea typeface="나눔스퀘어" panose="020B0600000101010101" pitchFamily="50" charset="-127"/>
+              </a:rPr>
+              <a:t>경우</a:t>
+            </a:r>
+            <a:endParaRPr lang="en-US" sz="2200" dirty="0">
+              <a:solidFill>
+                <a:schemeClr val="dk1"/>
+              </a:solidFill>
+              <a:latin typeface="나눔스퀘어" panose="020B0600000101010101" pitchFamily="50" charset="-127"/>
+              <a:ea typeface="나눔스퀘어" panose="020B0600000101010101" pitchFamily="50" charset="-127"/>
+            </a:endParaRPr>
+          </a:p>
+          <a:p>
+            <a:pPr marL="88900" lvl="0" algn="l" rtl="0">
+              <a:spcBef>
+                <a:spcPts val="0"/>
+              </a:spcBef>
+              <a:spcAft>
+                <a:spcPts val="0"/>
+              </a:spcAft>
+              <a:buClr>
+                <a:schemeClr val="dk1"/>
+              </a:buClr>
+              <a:buSzPts val="2200"/>
+            </a:pPr>
+            <a:endParaRPr lang="en-US" sz="300" dirty="0">
+              <a:solidFill>
+                <a:schemeClr val="dk1"/>
+              </a:solidFill>
+              <a:latin typeface="나눔스퀘어" panose="020B0600000101010101" pitchFamily="50" charset="-127"/>
+              <a:ea typeface="나눔스퀘어" panose="020B0600000101010101" pitchFamily="50" charset="-127"/>
+            </a:endParaRPr>
+          </a:p>
+          <a:p>
+            <a:pPr marL="457200" lvl="0"/>
+            <a:r>
+              <a:rPr lang="en-US" altLang="ko-KR" sz="2000" dirty="0">
+                <a:solidFill>
+                  <a:schemeClr val="dk1"/>
+                </a:solidFill>
+                <a:latin typeface="나눔스퀘어" panose="020B0600000101010101" pitchFamily="50" charset="-127"/>
+                <a:ea typeface="나눔스퀘어" panose="020B0600000101010101" pitchFamily="50" charset="-127"/>
+              </a:rPr>
+              <a:t>  - </a:t>
+            </a:r>
+            <a:r>
+              <a:rPr lang="ko-KR" altLang="en-US" sz="2000" dirty="0">
+                <a:solidFill>
+                  <a:schemeClr val="dk1"/>
+                </a:solidFill>
+                <a:latin typeface="나눔스퀘어" panose="020B0600000101010101" pitchFamily="50" charset="-127"/>
+                <a:ea typeface="나눔스퀘어" panose="020B0600000101010101" pitchFamily="50" charset="-127"/>
+              </a:rPr>
+              <a:t>사용자 이메일을 인증을 통해 회원정보를 확인한다</a:t>
+            </a:r>
+            <a:r>
+              <a:rPr lang="en-US" altLang="ko-KR" sz="2000" dirty="0">
+                <a:solidFill>
+                  <a:schemeClr val="dk1"/>
+                </a:solidFill>
+                <a:latin typeface="나눔스퀘어" panose="020B0600000101010101" pitchFamily="50" charset="-127"/>
+                <a:ea typeface="나눔스퀘어" panose="020B0600000101010101" pitchFamily="50" charset="-127"/>
+              </a:rPr>
+              <a:t>. </a:t>
+            </a:r>
+          </a:p>
+          <a:p>
+            <a:pPr marL="457200" lvl="0"/>
+            <a:r>
+              <a:rPr lang="en-US" altLang="ko-KR" sz="2000" dirty="0">
+                <a:solidFill>
+                  <a:schemeClr val="dk1"/>
+                </a:solidFill>
+                <a:latin typeface="나눔스퀘어" panose="020B0600000101010101" pitchFamily="50" charset="-127"/>
+                <a:ea typeface="나눔스퀘어" panose="020B0600000101010101" pitchFamily="50" charset="-127"/>
+              </a:rPr>
+              <a:t>  - </a:t>
+            </a:r>
+            <a:r>
+              <a:rPr lang="ko-KR" altLang="en-US" sz="2000" dirty="0">
+                <a:solidFill>
+                  <a:schemeClr val="dk1"/>
+                </a:solidFill>
+                <a:latin typeface="나눔스퀘어" panose="020B0600000101010101" pitchFamily="50" charset="-127"/>
+                <a:ea typeface="나눔스퀘어" panose="020B0600000101010101" pitchFamily="50" charset="-127"/>
+              </a:rPr>
+              <a:t>임시 비밀번호를 제공한다</a:t>
+            </a:r>
+            <a:r>
+              <a:rPr lang="en-US" altLang="ko-KR" sz="2000" dirty="0">
+                <a:solidFill>
+                  <a:schemeClr val="dk1"/>
+                </a:solidFill>
+                <a:latin typeface="나눔스퀘어" panose="020B0600000101010101" pitchFamily="50" charset="-127"/>
+                <a:ea typeface="나눔스퀘어" panose="020B0600000101010101" pitchFamily="50" charset="-127"/>
+              </a:rPr>
+              <a:t>.</a:t>
+            </a:r>
+          </a:p>
+          <a:p>
+            <a:pPr marL="457200" lvl="0"/>
+            <a:endParaRPr lang="ko-KR" altLang="en-US" sz="500" dirty="0">
+              <a:solidFill>
+                <a:schemeClr val="dk1"/>
+              </a:solidFill>
+              <a:latin typeface="나눔스퀘어" panose="020B0600000101010101" pitchFamily="50" charset="-127"/>
+              <a:ea typeface="나눔스퀘어" panose="020B0600000101010101" pitchFamily="50" charset="-127"/>
+            </a:endParaRPr>
+          </a:p>
+          <a:p>
+            <a:pPr marL="88900">
+              <a:buClr>
+                <a:schemeClr val="dk1"/>
+              </a:buClr>
+              <a:buSzPts val="2200"/>
+            </a:pPr>
+            <a:r>
+              <a:rPr lang="en-US" altLang="ko-KR" sz="2200" dirty="0">
+                <a:latin typeface="나눔스퀘어" panose="020B0600000101010101" pitchFamily="50" charset="-127"/>
+                <a:ea typeface="나눔스퀘어" panose="020B0600000101010101" pitchFamily="50" charset="-127"/>
+              </a:rPr>
+              <a:t>Ep3. </a:t>
+            </a:r>
+            <a:r>
+              <a:rPr lang="ko-KR" altLang="en-US" sz="2200" dirty="0">
+                <a:solidFill>
+                  <a:schemeClr val="dk1"/>
+                </a:solidFill>
+                <a:latin typeface="나눔스퀘어" panose="020B0600000101010101" pitchFamily="50" charset="-127"/>
+                <a:ea typeface="나눔스퀘어" panose="020B0600000101010101" pitchFamily="50" charset="-127"/>
+              </a:rPr>
+              <a:t>회원 등록에 정보가 다 작성 되지 않은 경우</a:t>
+            </a:r>
+            <a:r>
+              <a:rPr lang="en-US" altLang="ko-KR" sz="2200" dirty="0">
+                <a:solidFill>
+                  <a:schemeClr val="dk1"/>
+                </a:solidFill>
+                <a:latin typeface="나눔스퀘어" panose="020B0600000101010101" pitchFamily="50" charset="-127"/>
+                <a:ea typeface="나눔스퀘어" panose="020B0600000101010101" pitchFamily="50" charset="-127"/>
+              </a:rPr>
+              <a:t>.</a:t>
+            </a:r>
+          </a:p>
+          <a:p>
+            <a:pPr marL="88900">
+              <a:buClr>
+                <a:schemeClr val="dk1"/>
+              </a:buClr>
+              <a:buSzPts val="2200"/>
+            </a:pPr>
+            <a:endParaRPr lang="en-US" altLang="ko-KR" sz="300" dirty="0">
+              <a:solidFill>
+                <a:schemeClr val="dk1"/>
+              </a:solidFill>
+              <a:latin typeface="나눔스퀘어" panose="020B0600000101010101" pitchFamily="50" charset="-127"/>
+              <a:ea typeface="나눔스퀘어" panose="020B0600000101010101" pitchFamily="50" charset="-127"/>
+            </a:endParaRPr>
+          </a:p>
+          <a:p>
+            <a:pPr marL="457200" lvl="0" indent="0" algn="l" rtl="0">
+              <a:spcBef>
+                <a:spcPts val="0"/>
+              </a:spcBef>
+              <a:spcAft>
+                <a:spcPts val="0"/>
+              </a:spcAft>
+              <a:buNone/>
+            </a:pPr>
+            <a:r>
+              <a:rPr lang="en-US" altLang="ko-KR" sz="2000" dirty="0">
+                <a:solidFill>
+                  <a:schemeClr val="dk1"/>
+                </a:solidFill>
+                <a:latin typeface="나눔스퀘어" panose="020B0600000101010101" pitchFamily="50" charset="-127"/>
+                <a:ea typeface="나눔스퀘어" panose="020B0600000101010101" pitchFamily="50" charset="-127"/>
+              </a:rPr>
+              <a:t>  -  </a:t>
+            </a:r>
+            <a:r>
+              <a:rPr lang="ko-KR" altLang="en-US" sz="2000" dirty="0">
+                <a:solidFill>
+                  <a:schemeClr val="dk1"/>
+                </a:solidFill>
+                <a:latin typeface="나눔스퀘어" panose="020B0600000101010101" pitchFamily="50" charset="-127"/>
+                <a:ea typeface="나눔스퀘어" panose="020B0600000101010101" pitchFamily="50" charset="-127"/>
+              </a:rPr>
+              <a:t>회원 등록이 되지 않는다</a:t>
+            </a:r>
+            <a:r>
+              <a:rPr lang="en-US" altLang="ko-KR" sz="2000" dirty="0">
+                <a:solidFill>
+                  <a:schemeClr val="dk1"/>
+                </a:solidFill>
+                <a:latin typeface="나눔스퀘어" panose="020B0600000101010101" pitchFamily="50" charset="-127"/>
+                <a:ea typeface="나눔스퀘어" panose="020B0600000101010101" pitchFamily="50" charset="-127"/>
+              </a:rPr>
+              <a:t>.</a:t>
+            </a:r>
+          </a:p>
+          <a:p>
+            <a:pPr marL="457200" lvl="0" indent="0" algn="l" rtl="0">
+              <a:spcBef>
+                <a:spcPts val="0"/>
+              </a:spcBef>
+              <a:spcAft>
+                <a:spcPts val="0"/>
+              </a:spcAft>
+              <a:buNone/>
+            </a:pPr>
+            <a:r>
+              <a:rPr lang="en-US" altLang="ko-KR" sz="2000" dirty="0">
+                <a:solidFill>
+                  <a:schemeClr val="dk1"/>
+                </a:solidFill>
+                <a:latin typeface="나눔스퀘어" panose="020B0600000101010101" pitchFamily="50" charset="-127"/>
+                <a:ea typeface="나눔스퀘어" panose="020B0600000101010101" pitchFamily="50" charset="-127"/>
+              </a:rPr>
+              <a:t>  -  </a:t>
+            </a:r>
+            <a:r>
+              <a:rPr lang="ko-KR" altLang="en-US" sz="2000" dirty="0">
+                <a:solidFill>
+                  <a:schemeClr val="dk1"/>
+                </a:solidFill>
+                <a:latin typeface="나눔스퀘어" panose="020B0600000101010101" pitchFamily="50" charset="-127"/>
+                <a:ea typeface="나눔스퀘어" panose="020B0600000101010101" pitchFamily="50" charset="-127"/>
+              </a:rPr>
+              <a:t>초기화면으로 돌아간다</a:t>
+            </a:r>
+            <a:r>
+              <a:rPr lang="en-US" altLang="ko-KR" sz="2000" dirty="0">
+                <a:solidFill>
+                  <a:schemeClr val="dk1"/>
+                </a:solidFill>
+                <a:latin typeface="나눔스퀘어" panose="020B0600000101010101" pitchFamily="50" charset="-127"/>
+                <a:ea typeface="나눔스퀘어" panose="020B0600000101010101" pitchFamily="50" charset="-127"/>
+              </a:rPr>
+              <a:t>.</a:t>
+            </a:r>
           </a:p>
         </p:txBody>
       </p:sp>

--- a/문서/UML_PPT/식별된 Actor별 시나리오 작성_코드널(널포유).pptx
+++ b/문서/UML_PPT/식별된 Actor별 시나리오 작성_코드널(널포유).pptx
@@ -30465,12 +30465,8 @@
               <a:buNone/>
             </a:pPr>
             <a:r>
-              <a:rPr lang="en-US" sz="3600" b="1" dirty="0" err="1"/>
-              <a:t>널포유</a:t>
-            </a:r>
-            <a:r>
               <a:rPr lang="en-US" sz="3600" b="1" dirty="0"/>
-              <a:t> </a:t>
+              <a:t>널 포 유 </a:t>
             </a:r>
             <a:r>
               <a:rPr lang="en-US" sz="3600" b="1" dirty="0" err="1"/>
@@ -30540,13 +30536,22 @@
               <a:t> </a:t>
             </a:r>
             <a:r>
+              <a:rPr lang="en-US" sz="2400" dirty="0">
+                <a:latin typeface="나눔스퀘어" panose="020B0600000101010101" pitchFamily="50" charset="-127"/>
+                <a:ea typeface="나눔스퀘어" panose="020B0600000101010101" pitchFamily="50" charset="-127"/>
+                <a:cs typeface="Calibri"/>
+                <a:sym typeface="Calibri"/>
+              </a:rPr>
+              <a:t>널 포 </a:t>
+            </a:r>
+            <a:r>
               <a:rPr lang="en-US" sz="2400" dirty="0" err="1">
                 <a:latin typeface="나눔스퀘어" panose="020B0600000101010101" pitchFamily="50" charset="-127"/>
                 <a:ea typeface="나눔스퀘어" panose="020B0600000101010101" pitchFamily="50" charset="-127"/>
                 <a:cs typeface="Calibri"/>
                 <a:sym typeface="Calibri"/>
               </a:rPr>
-              <a:t>널포유는</a:t>
+              <a:t>유는</a:t>
             </a:r>
             <a:r>
               <a:rPr lang="en-US" sz="2400" dirty="0">
@@ -36650,17 +36655,17 @@
                 <a:latin typeface="나눔스퀘어" panose="020B0600000101010101" pitchFamily="50" charset="-127"/>
                 <a:ea typeface="나눔스퀘어" panose="020B0600000101010101" pitchFamily="50" charset="-127"/>
               </a:rPr>
-              <a:t>   </a:t>
-            </a:r>
-            <a:r>
-              <a:rPr lang="en-US" sz="2200" b="1" dirty="0">
-                <a:solidFill>
-                  <a:schemeClr val="dk1"/>
-                </a:solidFill>
-                <a:latin typeface="나눔스퀘어" panose="020B0600000101010101" pitchFamily="50" charset="-127"/>
-                <a:ea typeface="나눔스퀘어" panose="020B0600000101010101" pitchFamily="50" charset="-127"/>
-              </a:rPr>
-              <a:t> -   </a:t>
+              <a:t>    </a:t>
+            </a:r>
+            <a:r>
+              <a:rPr lang="en-US" sz="2000" dirty="0">
+                <a:solidFill>
+                  <a:schemeClr val="dk1"/>
+                </a:solidFill>
+                <a:latin typeface="나눔스퀘어" panose="020B0600000101010101" pitchFamily="50" charset="-127"/>
+                <a:ea typeface="나눔스퀘어" panose="020B0600000101010101" pitchFamily="50" charset="-127"/>
+              </a:rPr>
+              <a:t> -  </a:t>
             </a:r>
             <a:r>
               <a:rPr lang="en-US" sz="2000" dirty="0" err="1">
@@ -36955,7 +36960,7 @@
                 <a:cs typeface="Calibri"/>
                 <a:sym typeface="Calibri"/>
               </a:rPr>
-              <a:t>     - ID </a:t>
+              <a:t>      - ID </a:t>
             </a:r>
             <a:r>
               <a:rPr lang="ko-KR" altLang="en-US" sz="2000" dirty="0">
@@ -37102,7 +37107,7 @@
                 <a:cs typeface="Calibri"/>
                 <a:sym typeface="Calibri"/>
               </a:rPr>
-              <a:t>     - </a:t>
+              <a:t>      - </a:t>
             </a:r>
             <a:r>
               <a:rPr lang="ko-KR" altLang="en-US" sz="2000" dirty="0">
